--- a/ProofOfConcept-LOI.pptx
+++ b/ProofOfConcept-LOI.pptx
@@ -16,6 +16,7 @@
     <p:sldId id="260" r:id="rId9"/>
     <p:sldId id="261" r:id="rId10"/>
     <p:sldId id="262" r:id="rId11"/>
+    <p:sldId id="263" r:id="rId12"/>
   </p:sldIdLst>
   <p:sldSz cx="12192000" cy="6858000"/>
   <p:notesSz cx="6858000" cy="9144000"/>
@@ -41,7 +42,7 @@
       </p:grpSpPr>
       <p:sp>
         <p:nvSpPr>
-          <p:cNvPr id="82" name="PlaceHolder 1"/>
+          <p:cNvPr id="76" name="PlaceHolder 1"/>
           <p:cNvSpPr>
             <a:spLocks noGrp="1"/>
           </p:cNvSpPr>
@@ -73,7 +74,7 @@
       </p:sp>
       <p:sp>
         <p:nvSpPr>
-          <p:cNvPr id="83" name="PlaceHolder 2"/>
+          <p:cNvPr id="77" name="PlaceHolder 2"/>
           <p:cNvSpPr>
             <a:spLocks noGrp="1"/>
           </p:cNvSpPr>
@@ -105,7 +106,7 @@
       </p:sp>
       <p:sp>
         <p:nvSpPr>
-          <p:cNvPr id="84" name="PlaceHolder 3"/>
+          <p:cNvPr id="78" name="PlaceHolder 3"/>
           <p:cNvSpPr>
             <a:spLocks noGrp="1"/>
           </p:cNvSpPr>
@@ -138,7 +139,7 @@
       </p:sp>
       <p:sp>
         <p:nvSpPr>
-          <p:cNvPr id="85" name="PlaceHolder 4"/>
+          <p:cNvPr id="79" name="PlaceHolder 4"/>
           <p:cNvSpPr>
             <a:spLocks noGrp="1"/>
           </p:cNvSpPr>
@@ -170,7 +171,7 @@
       </p:sp>
       <p:sp>
         <p:nvSpPr>
-          <p:cNvPr id="86" name="PlaceHolder 5"/>
+          <p:cNvPr id="80" name="PlaceHolder 5"/>
           <p:cNvSpPr>
             <a:spLocks noGrp="1"/>
           </p:cNvSpPr>
@@ -191,7 +192,7 @@
           <a:bodyPr lIns="0" rIns="0" tIns="0" bIns="0" anchor="b"/>
           <a:p>
             <a:pPr algn="r"/>
-            <a:fld id="{746A2100-481E-443A-93D0-AC1EF28C0175}" type="slidenum">
+            <a:fld id="{25311E67-FBA0-4CA9-8E2E-61EE62FD060E}" type="slidenum">
               <a:rPr lang="de-DE" sz="1400">
                 <a:latin typeface="Times New Roman"/>
               </a:rPr>
@@ -226,7 +227,7 @@
       </p:grpSpPr>
       <p:sp>
         <p:nvSpPr>
-          <p:cNvPr id="111" name="PlaceHolder 1"/>
+          <p:cNvPr id="109" name="PlaceHolder 1"/>
           <p:cNvSpPr>
             <a:spLocks noGrp="1"/>
           </p:cNvSpPr>
@@ -237,29 +238,29 @@
         <p:spPr>
           <a:xfrm>
             <a:off x="685800" y="4400640"/>
-            <a:ext cx="5486040" cy="3600000"/>
-          </a:xfrm>
-          <a:prstGeom prst="rect">
-            <a:avLst/>
-          </a:prstGeom>
-        </p:spPr>
-        <p:txBody>
-          <a:bodyPr/>
-          <a:p>
-            <a:endParaRPr/>
-          </a:p>
-        </p:txBody>
-      </p:sp>
-      <p:sp>
-        <p:nvSpPr>
-          <p:cNvPr id="112" name="TextShape 2"/>
-          <p:cNvSpPr txBox="1"/>
+            <a:ext cx="5485680" cy="3599640"/>
+          </a:xfrm>
+          <a:prstGeom prst="rect">
+            <a:avLst/>
+          </a:prstGeom>
+        </p:spPr>
+        <p:txBody>
+          <a:bodyPr lIns="0" rIns="0" tIns="0" bIns="0"/>
+          <a:p>
+            <a:endParaRPr/>
+          </a:p>
+        </p:txBody>
+      </p:sp>
+      <p:sp>
+        <p:nvSpPr>
+          <p:cNvPr id="110" name="CustomShape 2"/>
+          <p:cNvSpPr/>
           <p:nvPr/>
         </p:nvSpPr>
         <p:spPr>
           <a:xfrm>
             <a:off x="3884760" y="8685360"/>
-            <a:ext cx="2971440" cy="458280"/>
+            <a:ext cx="2971080" cy="457920"/>
           </a:xfrm>
           <a:prstGeom prst="rect">
             <a:avLst/>
@@ -269,15 +270,21 @@
             <a:noFill/>
           </a:ln>
         </p:spPr>
-        <p:txBody>
-          <a:bodyPr anchor="b"/>
+        <p:style>
+          <a:lnRef idx="0"/>
+          <a:fillRef idx="0"/>
+          <a:effectRef idx="0"/>
+          <a:fontRef idx="minor"/>
+        </p:style>
+        <p:txBody>
+          <a:bodyPr lIns="90000" rIns="90000" tIns="45000" bIns="45000" anchor="b"/>
           <a:p>
             <a:pPr algn="r">
               <a:lnSpc>
                 <a:spcPct val="100000"/>
               </a:lnSpc>
             </a:pPr>
-            <a:fld id="{FB6B4C32-702B-4E9F-A562-075B6FC0B495}" type="slidenum">
+            <a:fld id="{DB46086E-3564-480C-B682-D62D4CFA0391}" type="slidenum">
               <a:rPr lang="de-DE" sz="1200" strike="noStrike">
                 <a:solidFill>
                   <a:srgbClr val="000000"/>
@@ -337,7 +344,7 @@
       </p:grpSpPr>
       <p:sp>
         <p:nvSpPr>
-          <p:cNvPr id="29" name="PlaceHolder 1"/>
+          <p:cNvPr id="26" name="PlaceHolder 1"/>
           <p:cNvSpPr>
             <a:spLocks noGrp="1"/>
           </p:cNvSpPr>
@@ -347,8 +354,8 @@
         </p:nvSpPr>
         <p:spPr>
           <a:xfrm>
-            <a:off x="1024200" y="585360"/>
-            <a:ext cx="9719640" cy="1499400"/>
+            <a:off x="609480" y="273600"/>
+            <a:ext cx="10972440" cy="1144800"/>
           </a:xfrm>
           <a:prstGeom prst="rect">
             <a:avLst/>
@@ -357,13 +364,14 @@
         <p:txBody>
           <a:bodyPr lIns="0" rIns="0" tIns="0" bIns="0" anchor="ctr"/>
           <a:p>
-            <a:endParaRPr/>
-          </a:p>
-        </p:txBody>
-      </p:sp>
-      <p:sp>
-        <p:nvSpPr>
-          <p:cNvPr id="30" name="PlaceHolder 2"/>
+            <a:pPr algn="ctr"/>
+            <a:endParaRPr/>
+          </a:p>
+        </p:txBody>
+      </p:sp>
+      <p:sp>
+        <p:nvSpPr>
+          <p:cNvPr id="27" name="PlaceHolder 2"/>
           <p:cNvSpPr>
             <a:spLocks noGrp="1"/>
           </p:cNvSpPr>
@@ -373,8 +381,8 @@
         </p:nvSpPr>
         <p:spPr>
           <a:xfrm>
-            <a:off x="1024200" y="2286000"/>
-            <a:ext cx="9719640" cy="1918800"/>
+            <a:off x="609480" y="1604520"/>
+            <a:ext cx="10972440" cy="1896840"/>
           </a:xfrm>
           <a:prstGeom prst="rect">
             <a:avLst/>
@@ -389,7 +397,7 @@
       </p:sp>
       <p:sp>
         <p:nvSpPr>
-          <p:cNvPr id="31" name="PlaceHolder 3"/>
+          <p:cNvPr id="28" name="PlaceHolder 3"/>
           <p:cNvSpPr>
             <a:spLocks noGrp="1"/>
           </p:cNvSpPr>
@@ -399,8 +407,8 @@
         </p:nvSpPr>
         <p:spPr>
           <a:xfrm>
-            <a:off x="1024200" y="4387320"/>
-            <a:ext cx="9719640" cy="1918800"/>
+            <a:off x="609480" y="3682080"/>
+            <a:ext cx="10972440" cy="1896840"/>
           </a:xfrm>
           <a:prstGeom prst="rect">
             <a:avLst/>
@@ -437,7 +445,7 @@
       </p:grpSpPr>
       <p:sp>
         <p:nvSpPr>
-          <p:cNvPr id="32" name="PlaceHolder 1"/>
+          <p:cNvPr id="29" name="PlaceHolder 1"/>
           <p:cNvSpPr>
             <a:spLocks noGrp="1"/>
           </p:cNvSpPr>
@@ -447,8 +455,8 @@
         </p:nvSpPr>
         <p:spPr>
           <a:xfrm>
-            <a:off x="1024200" y="585360"/>
-            <a:ext cx="9719640" cy="1499400"/>
+            <a:off x="609480" y="273600"/>
+            <a:ext cx="10972440" cy="1144800"/>
           </a:xfrm>
           <a:prstGeom prst="rect">
             <a:avLst/>
@@ -457,13 +465,14 @@
         <p:txBody>
           <a:bodyPr lIns="0" rIns="0" tIns="0" bIns="0" anchor="ctr"/>
           <a:p>
-            <a:endParaRPr/>
-          </a:p>
-        </p:txBody>
-      </p:sp>
-      <p:sp>
-        <p:nvSpPr>
-          <p:cNvPr id="33" name="PlaceHolder 2"/>
+            <a:pPr algn="ctr"/>
+            <a:endParaRPr/>
+          </a:p>
+        </p:txBody>
+      </p:sp>
+      <p:sp>
+        <p:nvSpPr>
+          <p:cNvPr id="30" name="PlaceHolder 2"/>
           <p:cNvSpPr>
             <a:spLocks noGrp="1"/>
           </p:cNvSpPr>
@@ -473,8 +482,8 @@
         </p:nvSpPr>
         <p:spPr>
           <a:xfrm>
-            <a:off x="1024200" y="2286000"/>
-            <a:ext cx="4743000" cy="1918800"/>
+            <a:off x="609480" y="1604520"/>
+            <a:ext cx="5354280" cy="1896840"/>
           </a:xfrm>
           <a:prstGeom prst="rect">
             <a:avLst/>
@@ -489,7 +498,7 @@
       </p:sp>
       <p:sp>
         <p:nvSpPr>
-          <p:cNvPr id="34" name="PlaceHolder 3"/>
+          <p:cNvPr id="31" name="PlaceHolder 3"/>
           <p:cNvSpPr>
             <a:spLocks noGrp="1"/>
           </p:cNvSpPr>
@@ -499,8 +508,8 @@
         </p:nvSpPr>
         <p:spPr>
           <a:xfrm>
-            <a:off x="6004800" y="2286000"/>
-            <a:ext cx="4743000" cy="1918800"/>
+            <a:off x="6231960" y="1604520"/>
+            <a:ext cx="5354280" cy="1896840"/>
           </a:xfrm>
           <a:prstGeom prst="rect">
             <a:avLst/>
@@ -515,7 +524,7 @@
       </p:sp>
       <p:sp>
         <p:nvSpPr>
-          <p:cNvPr id="35" name="PlaceHolder 4"/>
+          <p:cNvPr id="32" name="PlaceHolder 4"/>
           <p:cNvSpPr>
             <a:spLocks noGrp="1"/>
           </p:cNvSpPr>
@@ -525,8 +534,8 @@
         </p:nvSpPr>
         <p:spPr>
           <a:xfrm>
-            <a:off x="6004800" y="4387320"/>
-            <a:ext cx="4743000" cy="1918800"/>
+            <a:off x="6231960" y="3682080"/>
+            <a:ext cx="5354280" cy="1896840"/>
           </a:xfrm>
           <a:prstGeom prst="rect">
             <a:avLst/>
@@ -541,7 +550,7 @@
       </p:sp>
       <p:sp>
         <p:nvSpPr>
-          <p:cNvPr id="36" name="PlaceHolder 5"/>
+          <p:cNvPr id="33" name="PlaceHolder 5"/>
           <p:cNvSpPr>
             <a:spLocks noGrp="1"/>
           </p:cNvSpPr>
@@ -551,8 +560,8 @@
         </p:nvSpPr>
         <p:spPr>
           <a:xfrm>
-            <a:off x="1024200" y="4387320"/>
-            <a:ext cx="4743000" cy="1918800"/>
+            <a:off x="609480" y="3682080"/>
+            <a:ext cx="5354280" cy="1896840"/>
           </a:xfrm>
           <a:prstGeom prst="rect">
             <a:avLst/>
@@ -589,7 +598,7 @@
       </p:grpSpPr>
       <p:sp>
         <p:nvSpPr>
-          <p:cNvPr id="37" name="PlaceHolder 1"/>
+          <p:cNvPr id="34" name="PlaceHolder 1"/>
           <p:cNvSpPr>
             <a:spLocks noGrp="1"/>
           </p:cNvSpPr>
@@ -599,8 +608,8 @@
         </p:nvSpPr>
         <p:spPr>
           <a:xfrm>
-            <a:off x="1024200" y="585360"/>
-            <a:ext cx="9719640" cy="1499400"/>
+            <a:off x="609480" y="273600"/>
+            <a:ext cx="10972440" cy="1144800"/>
           </a:xfrm>
           <a:prstGeom prst="rect">
             <a:avLst/>
@@ -609,13 +618,14 @@
         <p:txBody>
           <a:bodyPr lIns="0" rIns="0" tIns="0" bIns="0" anchor="ctr"/>
           <a:p>
-            <a:endParaRPr/>
-          </a:p>
-        </p:txBody>
-      </p:sp>
-      <p:sp>
-        <p:nvSpPr>
-          <p:cNvPr id="38" name="PlaceHolder 2"/>
+            <a:pPr algn="ctr"/>
+            <a:endParaRPr/>
+          </a:p>
+        </p:txBody>
+      </p:sp>
+      <p:sp>
+        <p:nvSpPr>
+          <p:cNvPr id="35" name="PlaceHolder 2"/>
           <p:cNvSpPr>
             <a:spLocks noGrp="1"/>
           </p:cNvSpPr>
@@ -625,8 +635,8 @@
         </p:nvSpPr>
         <p:spPr>
           <a:xfrm>
-            <a:off x="1024200" y="2286000"/>
-            <a:ext cx="9719640" cy="4023000"/>
+            <a:off x="609480" y="1604520"/>
+            <a:ext cx="10972440" cy="3977280"/>
           </a:xfrm>
           <a:prstGeom prst="rect">
             <a:avLst/>
@@ -641,7 +651,7 @@
       </p:sp>
       <p:sp>
         <p:nvSpPr>
-          <p:cNvPr id="39" name="PlaceHolder 3"/>
+          <p:cNvPr id="36" name="PlaceHolder 3"/>
           <p:cNvSpPr>
             <a:spLocks noGrp="1"/>
           </p:cNvSpPr>
@@ -651,8 +661,8 @@
         </p:nvSpPr>
         <p:spPr>
           <a:xfrm>
-            <a:off x="1024200" y="2286000"/>
-            <a:ext cx="9719640" cy="4023000"/>
+            <a:off x="609480" y="1604520"/>
+            <a:ext cx="10972440" cy="3977280"/>
           </a:xfrm>
           <a:prstGeom prst="rect">
             <a:avLst/>
@@ -667,7 +677,7 @@
       </p:sp>
       <p:pic>
         <p:nvPicPr>
-          <p:cNvPr id="40" name="" descr=""/>
+          <p:cNvPr id="37" name="" descr=""/>
           <p:cNvPicPr/>
           <p:nvPr/>
         </p:nvPicPr>
@@ -677,8 +687,8 @@
         </p:blipFill>
         <p:spPr>
           <a:xfrm>
-            <a:off x="3362760" y="2285640"/>
-            <a:ext cx="5042160" cy="4023000"/>
+            <a:off x="3602880" y="1604520"/>
+            <a:ext cx="4984920" cy="3977280"/>
           </a:xfrm>
           <a:prstGeom prst="rect">
             <a:avLst/>
@@ -690,7 +700,7 @@
       </p:pic>
       <p:pic>
         <p:nvPicPr>
-          <p:cNvPr id="41" name="" descr=""/>
+          <p:cNvPr id="38" name="" descr=""/>
           <p:cNvPicPr/>
           <p:nvPr/>
         </p:nvPicPr>
@@ -700,8 +710,8 @@
         </p:blipFill>
         <p:spPr>
           <a:xfrm>
-            <a:off x="3362760" y="2285640"/>
-            <a:ext cx="5042160" cy="4023000"/>
+            <a:off x="3602880" y="1604520"/>
+            <a:ext cx="4984920" cy="3977280"/>
           </a:xfrm>
           <a:prstGeom prst="rect">
             <a:avLst/>
@@ -757,7 +767,7 @@
       </p:grpSpPr>
       <p:sp>
         <p:nvSpPr>
-          <p:cNvPr id="48" name="PlaceHolder 1"/>
+          <p:cNvPr id="42" name="PlaceHolder 1"/>
           <p:cNvSpPr>
             <a:spLocks noGrp="1"/>
           </p:cNvSpPr>
@@ -767,8 +777,8 @@
         </p:nvSpPr>
         <p:spPr>
           <a:xfrm>
-            <a:off x="1024200" y="585360"/>
-            <a:ext cx="9719640" cy="1499400"/>
+            <a:off x="609480" y="273600"/>
+            <a:ext cx="10972440" cy="1144800"/>
           </a:xfrm>
           <a:prstGeom prst="rect">
             <a:avLst/>
@@ -777,13 +787,14 @@
         <p:txBody>
           <a:bodyPr lIns="0" rIns="0" tIns="0" bIns="0" anchor="ctr"/>
           <a:p>
-            <a:endParaRPr/>
-          </a:p>
-        </p:txBody>
-      </p:sp>
-      <p:sp>
-        <p:nvSpPr>
-          <p:cNvPr id="49" name="PlaceHolder 2"/>
+            <a:pPr algn="ctr"/>
+            <a:endParaRPr/>
+          </a:p>
+        </p:txBody>
+      </p:sp>
+      <p:sp>
+        <p:nvSpPr>
+          <p:cNvPr id="43" name="PlaceHolder 2"/>
           <p:cNvSpPr>
             <a:spLocks noGrp="1"/>
           </p:cNvSpPr>
@@ -793,8 +804,8 @@
         </p:nvSpPr>
         <p:spPr>
           <a:xfrm>
-            <a:off x="1024200" y="2286000"/>
-            <a:ext cx="9719640" cy="4023000"/>
+            <a:off x="609480" y="1604520"/>
+            <a:ext cx="10972440" cy="3977280"/>
           </a:xfrm>
           <a:prstGeom prst="rect">
             <a:avLst/>
@@ -832,7 +843,7 @@
       </p:grpSpPr>
       <p:sp>
         <p:nvSpPr>
-          <p:cNvPr id="50" name="PlaceHolder 1"/>
+          <p:cNvPr id="44" name="PlaceHolder 1"/>
           <p:cNvSpPr>
             <a:spLocks noGrp="1"/>
           </p:cNvSpPr>
@@ -842,8 +853,8 @@
         </p:nvSpPr>
         <p:spPr>
           <a:xfrm>
-            <a:off x="1024200" y="585360"/>
-            <a:ext cx="9719640" cy="1499400"/>
+            <a:off x="609480" y="273600"/>
+            <a:ext cx="10972440" cy="1144800"/>
           </a:xfrm>
           <a:prstGeom prst="rect">
             <a:avLst/>
@@ -852,13 +863,14 @@
         <p:txBody>
           <a:bodyPr lIns="0" rIns="0" tIns="0" bIns="0" anchor="ctr"/>
           <a:p>
-            <a:endParaRPr/>
-          </a:p>
-        </p:txBody>
-      </p:sp>
-      <p:sp>
-        <p:nvSpPr>
-          <p:cNvPr id="51" name="PlaceHolder 2"/>
+            <a:pPr algn="ctr"/>
+            <a:endParaRPr/>
+          </a:p>
+        </p:txBody>
+      </p:sp>
+      <p:sp>
+        <p:nvSpPr>
+          <p:cNvPr id="45" name="PlaceHolder 2"/>
           <p:cNvSpPr>
             <a:spLocks noGrp="1"/>
           </p:cNvSpPr>
@@ -868,8 +880,8 @@
         </p:nvSpPr>
         <p:spPr>
           <a:xfrm>
-            <a:off x="1024200" y="2286000"/>
-            <a:ext cx="9719640" cy="4023000"/>
+            <a:off x="609480" y="1604520"/>
+            <a:ext cx="10972440" cy="3977280"/>
           </a:xfrm>
           <a:prstGeom prst="rect">
             <a:avLst/>
@@ -906,7 +918,7 @@
       </p:grpSpPr>
       <p:sp>
         <p:nvSpPr>
-          <p:cNvPr id="52" name="PlaceHolder 1"/>
+          <p:cNvPr id="46" name="PlaceHolder 1"/>
           <p:cNvSpPr>
             <a:spLocks noGrp="1"/>
           </p:cNvSpPr>
@@ -916,8 +928,8 @@
         </p:nvSpPr>
         <p:spPr>
           <a:xfrm>
-            <a:off x="1024200" y="585360"/>
-            <a:ext cx="9719640" cy="1499400"/>
+            <a:off x="609480" y="273600"/>
+            <a:ext cx="10972440" cy="1144800"/>
           </a:xfrm>
           <a:prstGeom prst="rect">
             <a:avLst/>
@@ -926,13 +938,14 @@
         <p:txBody>
           <a:bodyPr lIns="0" rIns="0" tIns="0" bIns="0" anchor="ctr"/>
           <a:p>
-            <a:endParaRPr/>
-          </a:p>
-        </p:txBody>
-      </p:sp>
-      <p:sp>
-        <p:nvSpPr>
-          <p:cNvPr id="53" name="PlaceHolder 2"/>
+            <a:pPr algn="ctr"/>
+            <a:endParaRPr/>
+          </a:p>
+        </p:txBody>
+      </p:sp>
+      <p:sp>
+        <p:nvSpPr>
+          <p:cNvPr id="47" name="PlaceHolder 2"/>
           <p:cNvSpPr>
             <a:spLocks noGrp="1"/>
           </p:cNvSpPr>
@@ -942,8 +955,8 @@
         </p:nvSpPr>
         <p:spPr>
           <a:xfrm>
-            <a:off x="1024200" y="2286000"/>
-            <a:ext cx="4743000" cy="4023000"/>
+            <a:off x="609480" y="1604520"/>
+            <a:ext cx="5354280" cy="3977280"/>
           </a:xfrm>
           <a:prstGeom prst="rect">
             <a:avLst/>
@@ -958,7 +971,7 @@
       </p:sp>
       <p:sp>
         <p:nvSpPr>
-          <p:cNvPr id="54" name="PlaceHolder 3"/>
+          <p:cNvPr id="48" name="PlaceHolder 3"/>
           <p:cNvSpPr>
             <a:spLocks noGrp="1"/>
           </p:cNvSpPr>
@@ -968,8 +981,8 @@
         </p:nvSpPr>
         <p:spPr>
           <a:xfrm>
-            <a:off x="6004800" y="2286000"/>
-            <a:ext cx="4743000" cy="4023000"/>
+            <a:off x="6231960" y="1604520"/>
+            <a:ext cx="5354280" cy="3977280"/>
           </a:xfrm>
           <a:prstGeom prst="rect">
             <a:avLst/>
@@ -1006,7 +1019,7 @@
       </p:grpSpPr>
       <p:sp>
         <p:nvSpPr>
-          <p:cNvPr id="55" name="PlaceHolder 1"/>
+          <p:cNvPr id="49" name="PlaceHolder 1"/>
           <p:cNvSpPr>
             <a:spLocks noGrp="1"/>
           </p:cNvSpPr>
@@ -1016,8 +1029,8 @@
         </p:nvSpPr>
         <p:spPr>
           <a:xfrm>
-            <a:off x="1024200" y="585360"/>
-            <a:ext cx="9719640" cy="1499400"/>
+            <a:off x="609480" y="273600"/>
+            <a:ext cx="10972440" cy="1144800"/>
           </a:xfrm>
           <a:prstGeom prst="rect">
             <a:avLst/>
@@ -1026,6 +1039,7 @@
         <p:txBody>
           <a:bodyPr lIns="0" rIns="0" tIns="0" bIns="0" anchor="ctr"/>
           <a:p>
+            <a:pPr algn="ctr"/>
             <a:endParaRPr/>
           </a:p>
         </p:txBody>
@@ -1054,7 +1068,7 @@
       </p:grpSpPr>
       <p:sp>
         <p:nvSpPr>
-          <p:cNvPr id="56" name="PlaceHolder 1"/>
+          <p:cNvPr id="50" name="PlaceHolder 1"/>
           <p:cNvSpPr>
             <a:spLocks noGrp="1"/>
           </p:cNvSpPr>
@@ -1064,8 +1078,8 @@
         </p:nvSpPr>
         <p:spPr>
           <a:xfrm>
-            <a:off x="1024200" y="585360"/>
-            <a:ext cx="9719640" cy="6951600"/>
+            <a:off x="609480" y="273600"/>
+            <a:ext cx="10972440" cy="5307840"/>
           </a:xfrm>
           <a:prstGeom prst="rect">
             <a:avLst/>
@@ -1103,7 +1117,7 @@
       </p:grpSpPr>
       <p:sp>
         <p:nvSpPr>
-          <p:cNvPr id="57" name="PlaceHolder 1"/>
+          <p:cNvPr id="51" name="PlaceHolder 1"/>
           <p:cNvSpPr>
             <a:spLocks noGrp="1"/>
           </p:cNvSpPr>
@@ -1113,8 +1127,8 @@
         </p:nvSpPr>
         <p:spPr>
           <a:xfrm>
-            <a:off x="1024200" y="585360"/>
-            <a:ext cx="9719640" cy="1499400"/>
+            <a:off x="609480" y="273600"/>
+            <a:ext cx="10972440" cy="1144800"/>
           </a:xfrm>
           <a:prstGeom prst="rect">
             <a:avLst/>
@@ -1123,13 +1137,14 @@
         <p:txBody>
           <a:bodyPr lIns="0" rIns="0" tIns="0" bIns="0" anchor="ctr"/>
           <a:p>
-            <a:endParaRPr/>
-          </a:p>
-        </p:txBody>
-      </p:sp>
-      <p:sp>
-        <p:nvSpPr>
-          <p:cNvPr id="58" name="PlaceHolder 2"/>
+            <a:pPr algn="ctr"/>
+            <a:endParaRPr/>
+          </a:p>
+        </p:txBody>
+      </p:sp>
+      <p:sp>
+        <p:nvSpPr>
+          <p:cNvPr id="52" name="PlaceHolder 2"/>
           <p:cNvSpPr>
             <a:spLocks noGrp="1"/>
           </p:cNvSpPr>
@@ -1139,8 +1154,8 @@
         </p:nvSpPr>
         <p:spPr>
           <a:xfrm>
-            <a:off x="1024200" y="2286000"/>
-            <a:ext cx="4743000" cy="1918800"/>
+            <a:off x="609480" y="1604520"/>
+            <a:ext cx="5354280" cy="1896840"/>
           </a:xfrm>
           <a:prstGeom prst="rect">
             <a:avLst/>
@@ -1155,7 +1170,7 @@
       </p:sp>
       <p:sp>
         <p:nvSpPr>
-          <p:cNvPr id="59" name="PlaceHolder 3"/>
+          <p:cNvPr id="53" name="PlaceHolder 3"/>
           <p:cNvSpPr>
             <a:spLocks noGrp="1"/>
           </p:cNvSpPr>
@@ -1165,8 +1180,8 @@
         </p:nvSpPr>
         <p:spPr>
           <a:xfrm>
-            <a:off x="1024200" y="4387320"/>
-            <a:ext cx="4743000" cy="1918800"/>
+            <a:off x="609480" y="3682080"/>
+            <a:ext cx="5354280" cy="1896840"/>
           </a:xfrm>
           <a:prstGeom prst="rect">
             <a:avLst/>
@@ -1181,7 +1196,7 @@
       </p:sp>
       <p:sp>
         <p:nvSpPr>
-          <p:cNvPr id="60" name="PlaceHolder 4"/>
+          <p:cNvPr id="54" name="PlaceHolder 4"/>
           <p:cNvSpPr>
             <a:spLocks noGrp="1"/>
           </p:cNvSpPr>
@@ -1191,8 +1206,8 @@
         </p:nvSpPr>
         <p:spPr>
           <a:xfrm>
-            <a:off x="6004800" y="2286000"/>
-            <a:ext cx="4743000" cy="4023000"/>
+            <a:off x="6231960" y="1604520"/>
+            <a:ext cx="5354280" cy="3977280"/>
           </a:xfrm>
           <a:prstGeom prst="rect">
             <a:avLst/>
@@ -1229,7 +1244,7 @@
       </p:grpSpPr>
       <p:sp>
         <p:nvSpPr>
-          <p:cNvPr id="8" name="PlaceHolder 1"/>
+          <p:cNvPr id="5" name="PlaceHolder 1"/>
           <p:cNvSpPr>
             <a:spLocks noGrp="1"/>
           </p:cNvSpPr>
@@ -1239,8 +1254,8 @@
         </p:nvSpPr>
         <p:spPr>
           <a:xfrm>
-            <a:off x="1024200" y="585360"/>
-            <a:ext cx="9719640" cy="1499400"/>
+            <a:off x="609480" y="273600"/>
+            <a:ext cx="10972440" cy="1144800"/>
           </a:xfrm>
           <a:prstGeom prst="rect">
             <a:avLst/>
@@ -1249,13 +1264,14 @@
         <p:txBody>
           <a:bodyPr lIns="0" rIns="0" tIns="0" bIns="0" anchor="ctr"/>
           <a:p>
-            <a:endParaRPr/>
-          </a:p>
-        </p:txBody>
-      </p:sp>
-      <p:sp>
-        <p:nvSpPr>
-          <p:cNvPr id="9" name="PlaceHolder 2"/>
+            <a:pPr algn="ctr"/>
+            <a:endParaRPr/>
+          </a:p>
+        </p:txBody>
+      </p:sp>
+      <p:sp>
+        <p:nvSpPr>
+          <p:cNvPr id="6" name="PlaceHolder 2"/>
           <p:cNvSpPr>
             <a:spLocks noGrp="1"/>
           </p:cNvSpPr>
@@ -1265,8 +1281,8 @@
         </p:nvSpPr>
         <p:spPr>
           <a:xfrm>
-            <a:off x="1024200" y="2286000"/>
-            <a:ext cx="9719640" cy="4023000"/>
+            <a:off x="609480" y="1604520"/>
+            <a:ext cx="10972440" cy="3977280"/>
           </a:xfrm>
           <a:prstGeom prst="rect">
             <a:avLst/>
@@ -1304,7 +1320,7 @@
       </p:grpSpPr>
       <p:sp>
         <p:nvSpPr>
-          <p:cNvPr id="61" name="PlaceHolder 1"/>
+          <p:cNvPr id="55" name="PlaceHolder 1"/>
           <p:cNvSpPr>
             <a:spLocks noGrp="1"/>
           </p:cNvSpPr>
@@ -1314,8 +1330,8 @@
         </p:nvSpPr>
         <p:spPr>
           <a:xfrm>
-            <a:off x="1024200" y="585360"/>
-            <a:ext cx="9719640" cy="1499400"/>
+            <a:off x="609480" y="273600"/>
+            <a:ext cx="10972440" cy="1144800"/>
           </a:xfrm>
           <a:prstGeom prst="rect">
             <a:avLst/>
@@ -1324,13 +1340,14 @@
         <p:txBody>
           <a:bodyPr lIns="0" rIns="0" tIns="0" bIns="0" anchor="ctr"/>
           <a:p>
-            <a:endParaRPr/>
-          </a:p>
-        </p:txBody>
-      </p:sp>
-      <p:sp>
-        <p:nvSpPr>
-          <p:cNvPr id="62" name="PlaceHolder 2"/>
+            <a:pPr algn="ctr"/>
+            <a:endParaRPr/>
+          </a:p>
+        </p:txBody>
+      </p:sp>
+      <p:sp>
+        <p:nvSpPr>
+          <p:cNvPr id="56" name="PlaceHolder 2"/>
           <p:cNvSpPr>
             <a:spLocks noGrp="1"/>
           </p:cNvSpPr>
@@ -1340,8 +1357,8 @@
         </p:nvSpPr>
         <p:spPr>
           <a:xfrm>
-            <a:off x="1024200" y="2286000"/>
-            <a:ext cx="4743000" cy="4023000"/>
+            <a:off x="609480" y="1604520"/>
+            <a:ext cx="5354280" cy="3977280"/>
           </a:xfrm>
           <a:prstGeom prst="rect">
             <a:avLst/>
@@ -1356,7 +1373,7 @@
       </p:sp>
       <p:sp>
         <p:nvSpPr>
-          <p:cNvPr id="63" name="PlaceHolder 3"/>
+          <p:cNvPr id="57" name="PlaceHolder 3"/>
           <p:cNvSpPr>
             <a:spLocks noGrp="1"/>
           </p:cNvSpPr>
@@ -1366,8 +1383,8 @@
         </p:nvSpPr>
         <p:spPr>
           <a:xfrm>
-            <a:off x="6004800" y="2286000"/>
-            <a:ext cx="4743000" cy="1918800"/>
+            <a:off x="6231960" y="1604520"/>
+            <a:ext cx="5354280" cy="1896840"/>
           </a:xfrm>
           <a:prstGeom prst="rect">
             <a:avLst/>
@@ -1382,7 +1399,7 @@
       </p:sp>
       <p:sp>
         <p:nvSpPr>
-          <p:cNvPr id="64" name="PlaceHolder 4"/>
+          <p:cNvPr id="58" name="PlaceHolder 4"/>
           <p:cNvSpPr>
             <a:spLocks noGrp="1"/>
           </p:cNvSpPr>
@@ -1392,8 +1409,8 @@
         </p:nvSpPr>
         <p:spPr>
           <a:xfrm>
-            <a:off x="6004800" y="4387320"/>
-            <a:ext cx="4743000" cy="1918800"/>
+            <a:off x="6231960" y="3682080"/>
+            <a:ext cx="5354280" cy="1896840"/>
           </a:xfrm>
           <a:prstGeom prst="rect">
             <a:avLst/>
@@ -1430,7 +1447,7 @@
       </p:grpSpPr>
       <p:sp>
         <p:nvSpPr>
-          <p:cNvPr id="65" name="PlaceHolder 1"/>
+          <p:cNvPr id="59" name="PlaceHolder 1"/>
           <p:cNvSpPr>
             <a:spLocks noGrp="1"/>
           </p:cNvSpPr>
@@ -1440,8 +1457,8 @@
         </p:nvSpPr>
         <p:spPr>
           <a:xfrm>
-            <a:off x="1024200" y="585360"/>
-            <a:ext cx="9719640" cy="1499400"/>
+            <a:off x="609480" y="273600"/>
+            <a:ext cx="10972440" cy="1144800"/>
           </a:xfrm>
           <a:prstGeom prst="rect">
             <a:avLst/>
@@ -1450,13 +1467,14 @@
         <p:txBody>
           <a:bodyPr lIns="0" rIns="0" tIns="0" bIns="0" anchor="ctr"/>
           <a:p>
-            <a:endParaRPr/>
-          </a:p>
-        </p:txBody>
-      </p:sp>
-      <p:sp>
-        <p:nvSpPr>
-          <p:cNvPr id="66" name="PlaceHolder 2"/>
+            <a:pPr algn="ctr"/>
+            <a:endParaRPr/>
+          </a:p>
+        </p:txBody>
+      </p:sp>
+      <p:sp>
+        <p:nvSpPr>
+          <p:cNvPr id="60" name="PlaceHolder 2"/>
           <p:cNvSpPr>
             <a:spLocks noGrp="1"/>
           </p:cNvSpPr>
@@ -1466,8 +1484,8 @@
         </p:nvSpPr>
         <p:spPr>
           <a:xfrm>
-            <a:off x="1024200" y="2286000"/>
-            <a:ext cx="4743000" cy="1918800"/>
+            <a:off x="609480" y="1604520"/>
+            <a:ext cx="5354280" cy="1896840"/>
           </a:xfrm>
           <a:prstGeom prst="rect">
             <a:avLst/>
@@ -1482,7 +1500,7 @@
       </p:sp>
       <p:sp>
         <p:nvSpPr>
-          <p:cNvPr id="67" name="PlaceHolder 3"/>
+          <p:cNvPr id="61" name="PlaceHolder 3"/>
           <p:cNvSpPr>
             <a:spLocks noGrp="1"/>
           </p:cNvSpPr>
@@ -1492,8 +1510,8 @@
         </p:nvSpPr>
         <p:spPr>
           <a:xfrm>
-            <a:off x="6004800" y="2286000"/>
-            <a:ext cx="4743000" cy="1918800"/>
+            <a:off x="6231960" y="1604520"/>
+            <a:ext cx="5354280" cy="1896840"/>
           </a:xfrm>
           <a:prstGeom prst="rect">
             <a:avLst/>
@@ -1508,7 +1526,7 @@
       </p:sp>
       <p:sp>
         <p:nvSpPr>
-          <p:cNvPr id="68" name="PlaceHolder 4"/>
+          <p:cNvPr id="62" name="PlaceHolder 4"/>
           <p:cNvSpPr>
             <a:spLocks noGrp="1"/>
           </p:cNvSpPr>
@@ -1518,8 +1536,8 @@
         </p:nvSpPr>
         <p:spPr>
           <a:xfrm>
-            <a:off x="1024200" y="4387320"/>
-            <a:ext cx="9719640" cy="1918800"/>
+            <a:off x="609480" y="3682080"/>
+            <a:ext cx="10972440" cy="1896840"/>
           </a:xfrm>
           <a:prstGeom prst="rect">
             <a:avLst/>
@@ -1556,7 +1574,7 @@
       </p:grpSpPr>
       <p:sp>
         <p:nvSpPr>
-          <p:cNvPr id="69" name="PlaceHolder 1"/>
+          <p:cNvPr id="63" name="PlaceHolder 1"/>
           <p:cNvSpPr>
             <a:spLocks noGrp="1"/>
           </p:cNvSpPr>
@@ -1566,8 +1584,8 @@
         </p:nvSpPr>
         <p:spPr>
           <a:xfrm>
-            <a:off x="1024200" y="585360"/>
-            <a:ext cx="9719640" cy="1499400"/>
+            <a:off x="609480" y="273600"/>
+            <a:ext cx="10972440" cy="1144800"/>
           </a:xfrm>
           <a:prstGeom prst="rect">
             <a:avLst/>
@@ -1576,13 +1594,14 @@
         <p:txBody>
           <a:bodyPr lIns="0" rIns="0" tIns="0" bIns="0" anchor="ctr"/>
           <a:p>
-            <a:endParaRPr/>
-          </a:p>
-        </p:txBody>
-      </p:sp>
-      <p:sp>
-        <p:nvSpPr>
-          <p:cNvPr id="70" name="PlaceHolder 2"/>
+            <a:pPr algn="ctr"/>
+            <a:endParaRPr/>
+          </a:p>
+        </p:txBody>
+      </p:sp>
+      <p:sp>
+        <p:nvSpPr>
+          <p:cNvPr id="64" name="PlaceHolder 2"/>
           <p:cNvSpPr>
             <a:spLocks noGrp="1"/>
           </p:cNvSpPr>
@@ -1592,8 +1611,8 @@
         </p:nvSpPr>
         <p:spPr>
           <a:xfrm>
-            <a:off x="1024200" y="2286000"/>
-            <a:ext cx="9719640" cy="1918800"/>
+            <a:off x="609480" y="1604520"/>
+            <a:ext cx="10972440" cy="1896840"/>
           </a:xfrm>
           <a:prstGeom prst="rect">
             <a:avLst/>
@@ -1608,7 +1627,7 @@
       </p:sp>
       <p:sp>
         <p:nvSpPr>
-          <p:cNvPr id="71" name="PlaceHolder 3"/>
+          <p:cNvPr id="65" name="PlaceHolder 3"/>
           <p:cNvSpPr>
             <a:spLocks noGrp="1"/>
           </p:cNvSpPr>
@@ -1618,8 +1637,8 @@
         </p:nvSpPr>
         <p:spPr>
           <a:xfrm>
-            <a:off x="1024200" y="4387320"/>
-            <a:ext cx="9719640" cy="1918800"/>
+            <a:off x="609480" y="3682080"/>
+            <a:ext cx="10972440" cy="1896840"/>
           </a:xfrm>
           <a:prstGeom prst="rect">
             <a:avLst/>
@@ -1656,7 +1675,7 @@
       </p:grpSpPr>
       <p:sp>
         <p:nvSpPr>
-          <p:cNvPr id="72" name="PlaceHolder 1"/>
+          <p:cNvPr id="66" name="PlaceHolder 1"/>
           <p:cNvSpPr>
             <a:spLocks noGrp="1"/>
           </p:cNvSpPr>
@@ -1666,8 +1685,8 @@
         </p:nvSpPr>
         <p:spPr>
           <a:xfrm>
-            <a:off x="1024200" y="585360"/>
-            <a:ext cx="9719640" cy="1499400"/>
+            <a:off x="609480" y="273600"/>
+            <a:ext cx="10972440" cy="1144800"/>
           </a:xfrm>
           <a:prstGeom prst="rect">
             <a:avLst/>
@@ -1676,13 +1695,14 @@
         <p:txBody>
           <a:bodyPr lIns="0" rIns="0" tIns="0" bIns="0" anchor="ctr"/>
           <a:p>
-            <a:endParaRPr/>
-          </a:p>
-        </p:txBody>
-      </p:sp>
-      <p:sp>
-        <p:nvSpPr>
-          <p:cNvPr id="73" name="PlaceHolder 2"/>
+            <a:pPr algn="ctr"/>
+            <a:endParaRPr/>
+          </a:p>
+        </p:txBody>
+      </p:sp>
+      <p:sp>
+        <p:nvSpPr>
+          <p:cNvPr id="67" name="PlaceHolder 2"/>
           <p:cNvSpPr>
             <a:spLocks noGrp="1"/>
           </p:cNvSpPr>
@@ -1692,8 +1712,8 @@
         </p:nvSpPr>
         <p:spPr>
           <a:xfrm>
-            <a:off x="1024200" y="2286000"/>
-            <a:ext cx="4743000" cy="1918800"/>
+            <a:off x="609480" y="1604520"/>
+            <a:ext cx="5354280" cy="1896840"/>
           </a:xfrm>
           <a:prstGeom prst="rect">
             <a:avLst/>
@@ -1708,7 +1728,7 @@
       </p:sp>
       <p:sp>
         <p:nvSpPr>
-          <p:cNvPr id="74" name="PlaceHolder 3"/>
+          <p:cNvPr id="68" name="PlaceHolder 3"/>
           <p:cNvSpPr>
             <a:spLocks noGrp="1"/>
           </p:cNvSpPr>
@@ -1718,8 +1738,8 @@
         </p:nvSpPr>
         <p:spPr>
           <a:xfrm>
-            <a:off x="6004800" y="2286000"/>
-            <a:ext cx="4743000" cy="1918800"/>
+            <a:off x="6231960" y="1604520"/>
+            <a:ext cx="5354280" cy="1896840"/>
           </a:xfrm>
           <a:prstGeom prst="rect">
             <a:avLst/>
@@ -1734,7 +1754,7 @@
       </p:sp>
       <p:sp>
         <p:nvSpPr>
-          <p:cNvPr id="75" name="PlaceHolder 4"/>
+          <p:cNvPr id="69" name="PlaceHolder 4"/>
           <p:cNvSpPr>
             <a:spLocks noGrp="1"/>
           </p:cNvSpPr>
@@ -1744,8 +1764,8 @@
         </p:nvSpPr>
         <p:spPr>
           <a:xfrm>
-            <a:off x="6004800" y="4387320"/>
-            <a:ext cx="4743000" cy="1918800"/>
+            <a:off x="6231960" y="3682080"/>
+            <a:ext cx="5354280" cy="1896840"/>
           </a:xfrm>
           <a:prstGeom prst="rect">
             <a:avLst/>
@@ -1760,7 +1780,7 @@
       </p:sp>
       <p:sp>
         <p:nvSpPr>
-          <p:cNvPr id="76" name="PlaceHolder 5"/>
+          <p:cNvPr id="70" name="PlaceHolder 5"/>
           <p:cNvSpPr>
             <a:spLocks noGrp="1"/>
           </p:cNvSpPr>
@@ -1770,8 +1790,8 @@
         </p:nvSpPr>
         <p:spPr>
           <a:xfrm>
-            <a:off x="1024200" y="4387320"/>
-            <a:ext cx="4743000" cy="1918800"/>
+            <a:off x="609480" y="3682080"/>
+            <a:ext cx="5354280" cy="1896840"/>
           </a:xfrm>
           <a:prstGeom prst="rect">
             <a:avLst/>
@@ -1808,7 +1828,7 @@
       </p:grpSpPr>
       <p:sp>
         <p:nvSpPr>
-          <p:cNvPr id="77" name="PlaceHolder 1"/>
+          <p:cNvPr id="71" name="PlaceHolder 1"/>
           <p:cNvSpPr>
             <a:spLocks noGrp="1"/>
           </p:cNvSpPr>
@@ -1818,8 +1838,8 @@
         </p:nvSpPr>
         <p:spPr>
           <a:xfrm>
-            <a:off x="1024200" y="585360"/>
-            <a:ext cx="9719640" cy="1499400"/>
+            <a:off x="609480" y="273600"/>
+            <a:ext cx="10972440" cy="1144800"/>
           </a:xfrm>
           <a:prstGeom prst="rect">
             <a:avLst/>
@@ -1828,13 +1848,14 @@
         <p:txBody>
           <a:bodyPr lIns="0" rIns="0" tIns="0" bIns="0" anchor="ctr"/>
           <a:p>
-            <a:endParaRPr/>
-          </a:p>
-        </p:txBody>
-      </p:sp>
-      <p:sp>
-        <p:nvSpPr>
-          <p:cNvPr id="78" name="PlaceHolder 2"/>
+            <a:pPr algn="ctr"/>
+            <a:endParaRPr/>
+          </a:p>
+        </p:txBody>
+      </p:sp>
+      <p:sp>
+        <p:nvSpPr>
+          <p:cNvPr id="72" name="PlaceHolder 2"/>
           <p:cNvSpPr>
             <a:spLocks noGrp="1"/>
           </p:cNvSpPr>
@@ -1844,8 +1865,8 @@
         </p:nvSpPr>
         <p:spPr>
           <a:xfrm>
-            <a:off x="1024200" y="2286000"/>
-            <a:ext cx="9719640" cy="4023000"/>
+            <a:off x="609480" y="1604520"/>
+            <a:ext cx="10972440" cy="3977280"/>
           </a:xfrm>
           <a:prstGeom prst="rect">
             <a:avLst/>
@@ -1860,7 +1881,7 @@
       </p:sp>
       <p:sp>
         <p:nvSpPr>
-          <p:cNvPr id="79" name="PlaceHolder 3"/>
+          <p:cNvPr id="73" name="PlaceHolder 3"/>
           <p:cNvSpPr>
             <a:spLocks noGrp="1"/>
           </p:cNvSpPr>
@@ -1870,8 +1891,8 @@
         </p:nvSpPr>
         <p:spPr>
           <a:xfrm>
-            <a:off x="1024200" y="2286000"/>
-            <a:ext cx="9719640" cy="4023000"/>
+            <a:off x="609480" y="1604520"/>
+            <a:ext cx="10972440" cy="3977280"/>
           </a:xfrm>
           <a:prstGeom prst="rect">
             <a:avLst/>
@@ -1886,7 +1907,7 @@
       </p:sp>
       <p:pic>
         <p:nvPicPr>
-          <p:cNvPr id="80" name="" descr=""/>
+          <p:cNvPr id="74" name="" descr=""/>
           <p:cNvPicPr/>
           <p:nvPr/>
         </p:nvPicPr>
@@ -1896,8 +1917,8 @@
         </p:blipFill>
         <p:spPr>
           <a:xfrm>
-            <a:off x="3362760" y="2285640"/>
-            <a:ext cx="5042160" cy="4023000"/>
+            <a:off x="3602880" y="1604520"/>
+            <a:ext cx="4984920" cy="3977280"/>
           </a:xfrm>
           <a:prstGeom prst="rect">
             <a:avLst/>
@@ -1909,7 +1930,7 @@
       </p:pic>
       <p:pic>
         <p:nvPicPr>
-          <p:cNvPr id="81" name="" descr=""/>
+          <p:cNvPr id="75" name="" descr=""/>
           <p:cNvPicPr/>
           <p:nvPr/>
         </p:nvPicPr>
@@ -1919,8 +1940,8 @@
         </p:blipFill>
         <p:spPr>
           <a:xfrm>
-            <a:off x="3362760" y="2285640"/>
-            <a:ext cx="5042160" cy="4023000"/>
+            <a:off x="3602880" y="1604520"/>
+            <a:ext cx="4984920" cy="3977280"/>
           </a:xfrm>
           <a:prstGeom prst="rect">
             <a:avLst/>
@@ -1954,7 +1975,7 @@
       </p:grpSpPr>
       <p:sp>
         <p:nvSpPr>
-          <p:cNvPr id="10" name="PlaceHolder 1"/>
+          <p:cNvPr id="7" name="PlaceHolder 1"/>
           <p:cNvSpPr>
             <a:spLocks noGrp="1"/>
           </p:cNvSpPr>
@@ -1964,8 +1985,8 @@
         </p:nvSpPr>
         <p:spPr>
           <a:xfrm>
-            <a:off x="1024200" y="585360"/>
-            <a:ext cx="9719640" cy="1499400"/>
+            <a:off x="609480" y="273600"/>
+            <a:ext cx="10972440" cy="1144800"/>
           </a:xfrm>
           <a:prstGeom prst="rect">
             <a:avLst/>
@@ -1974,13 +1995,14 @@
         <p:txBody>
           <a:bodyPr lIns="0" rIns="0" tIns="0" bIns="0" anchor="ctr"/>
           <a:p>
-            <a:endParaRPr/>
-          </a:p>
-        </p:txBody>
-      </p:sp>
-      <p:sp>
-        <p:nvSpPr>
-          <p:cNvPr id="11" name="PlaceHolder 2"/>
+            <a:pPr algn="ctr"/>
+            <a:endParaRPr/>
+          </a:p>
+        </p:txBody>
+      </p:sp>
+      <p:sp>
+        <p:nvSpPr>
+          <p:cNvPr id="8" name="PlaceHolder 2"/>
           <p:cNvSpPr>
             <a:spLocks noGrp="1"/>
           </p:cNvSpPr>
@@ -1990,8 +2012,8 @@
         </p:nvSpPr>
         <p:spPr>
           <a:xfrm>
-            <a:off x="1024200" y="2286000"/>
-            <a:ext cx="9719640" cy="4023000"/>
+            <a:off x="609480" y="1604520"/>
+            <a:ext cx="10972440" cy="3977280"/>
           </a:xfrm>
           <a:prstGeom prst="rect">
             <a:avLst/>
@@ -2028,7 +2050,7 @@
       </p:grpSpPr>
       <p:sp>
         <p:nvSpPr>
-          <p:cNvPr id="12" name="PlaceHolder 1"/>
+          <p:cNvPr id="9" name="PlaceHolder 1"/>
           <p:cNvSpPr>
             <a:spLocks noGrp="1"/>
           </p:cNvSpPr>
@@ -2038,8 +2060,8 @@
         </p:nvSpPr>
         <p:spPr>
           <a:xfrm>
-            <a:off x="1024200" y="585360"/>
-            <a:ext cx="9719640" cy="1499400"/>
+            <a:off x="609480" y="273600"/>
+            <a:ext cx="10972440" cy="1144800"/>
           </a:xfrm>
           <a:prstGeom prst="rect">
             <a:avLst/>
@@ -2048,13 +2070,14 @@
         <p:txBody>
           <a:bodyPr lIns="0" rIns="0" tIns="0" bIns="0" anchor="ctr"/>
           <a:p>
-            <a:endParaRPr/>
-          </a:p>
-        </p:txBody>
-      </p:sp>
-      <p:sp>
-        <p:nvSpPr>
-          <p:cNvPr id="13" name="PlaceHolder 2"/>
+            <a:pPr algn="ctr"/>
+            <a:endParaRPr/>
+          </a:p>
+        </p:txBody>
+      </p:sp>
+      <p:sp>
+        <p:nvSpPr>
+          <p:cNvPr id="10" name="PlaceHolder 2"/>
           <p:cNvSpPr>
             <a:spLocks noGrp="1"/>
           </p:cNvSpPr>
@@ -2064,8 +2087,8 @@
         </p:nvSpPr>
         <p:spPr>
           <a:xfrm>
-            <a:off x="1024200" y="2286000"/>
-            <a:ext cx="4743000" cy="4023000"/>
+            <a:off x="609480" y="1604520"/>
+            <a:ext cx="5354280" cy="3977280"/>
           </a:xfrm>
           <a:prstGeom prst="rect">
             <a:avLst/>
@@ -2080,7 +2103,7 @@
       </p:sp>
       <p:sp>
         <p:nvSpPr>
-          <p:cNvPr id="14" name="PlaceHolder 3"/>
+          <p:cNvPr id="11" name="PlaceHolder 3"/>
           <p:cNvSpPr>
             <a:spLocks noGrp="1"/>
           </p:cNvSpPr>
@@ -2090,8 +2113,8 @@
         </p:nvSpPr>
         <p:spPr>
           <a:xfrm>
-            <a:off x="6004800" y="2286000"/>
-            <a:ext cx="4743000" cy="4023000"/>
+            <a:off x="6231960" y="1604520"/>
+            <a:ext cx="5354280" cy="3977280"/>
           </a:xfrm>
           <a:prstGeom prst="rect">
             <a:avLst/>
@@ -2128,7 +2151,7 @@
       </p:grpSpPr>
       <p:sp>
         <p:nvSpPr>
-          <p:cNvPr id="15" name="PlaceHolder 1"/>
+          <p:cNvPr id="12" name="PlaceHolder 1"/>
           <p:cNvSpPr>
             <a:spLocks noGrp="1"/>
           </p:cNvSpPr>
@@ -2138,8 +2161,8 @@
         </p:nvSpPr>
         <p:spPr>
           <a:xfrm>
-            <a:off x="1024200" y="585360"/>
-            <a:ext cx="9719640" cy="1499400"/>
+            <a:off x="609480" y="273600"/>
+            <a:ext cx="10972440" cy="1144800"/>
           </a:xfrm>
           <a:prstGeom prst="rect">
             <a:avLst/>
@@ -2148,6 +2171,7 @@
         <p:txBody>
           <a:bodyPr lIns="0" rIns="0" tIns="0" bIns="0" anchor="ctr"/>
           <a:p>
+            <a:pPr algn="ctr"/>
             <a:endParaRPr/>
           </a:p>
         </p:txBody>
@@ -2176,7 +2200,7 @@
       </p:grpSpPr>
       <p:sp>
         <p:nvSpPr>
-          <p:cNvPr id="16" name="PlaceHolder 1"/>
+          <p:cNvPr id="13" name="PlaceHolder 1"/>
           <p:cNvSpPr>
             <a:spLocks noGrp="1"/>
           </p:cNvSpPr>
@@ -2186,8 +2210,8 @@
         </p:nvSpPr>
         <p:spPr>
           <a:xfrm>
-            <a:off x="1024200" y="585360"/>
-            <a:ext cx="9719640" cy="6951600"/>
+            <a:off x="609480" y="273600"/>
+            <a:ext cx="10972440" cy="5307840"/>
           </a:xfrm>
           <a:prstGeom prst="rect">
             <a:avLst/>
@@ -2225,7 +2249,7 @@
       </p:grpSpPr>
       <p:sp>
         <p:nvSpPr>
-          <p:cNvPr id="17" name="PlaceHolder 1"/>
+          <p:cNvPr id="14" name="PlaceHolder 1"/>
           <p:cNvSpPr>
             <a:spLocks noGrp="1"/>
           </p:cNvSpPr>
@@ -2235,8 +2259,8 @@
         </p:nvSpPr>
         <p:spPr>
           <a:xfrm>
-            <a:off x="1024200" y="585360"/>
-            <a:ext cx="9719640" cy="1499400"/>
+            <a:off x="609480" y="273600"/>
+            <a:ext cx="10972440" cy="1144800"/>
           </a:xfrm>
           <a:prstGeom prst="rect">
             <a:avLst/>
@@ -2245,13 +2269,14 @@
         <p:txBody>
           <a:bodyPr lIns="0" rIns="0" tIns="0" bIns="0" anchor="ctr"/>
           <a:p>
-            <a:endParaRPr/>
-          </a:p>
-        </p:txBody>
-      </p:sp>
-      <p:sp>
-        <p:nvSpPr>
-          <p:cNvPr id="18" name="PlaceHolder 2"/>
+            <a:pPr algn="ctr"/>
+            <a:endParaRPr/>
+          </a:p>
+        </p:txBody>
+      </p:sp>
+      <p:sp>
+        <p:nvSpPr>
+          <p:cNvPr id="15" name="PlaceHolder 2"/>
           <p:cNvSpPr>
             <a:spLocks noGrp="1"/>
           </p:cNvSpPr>
@@ -2261,8 +2286,8 @@
         </p:nvSpPr>
         <p:spPr>
           <a:xfrm>
-            <a:off x="1024200" y="2286000"/>
-            <a:ext cx="4743000" cy="1918800"/>
+            <a:off x="609480" y="1604520"/>
+            <a:ext cx="5354280" cy="1896840"/>
           </a:xfrm>
           <a:prstGeom prst="rect">
             <a:avLst/>
@@ -2277,7 +2302,7 @@
       </p:sp>
       <p:sp>
         <p:nvSpPr>
-          <p:cNvPr id="19" name="PlaceHolder 3"/>
+          <p:cNvPr id="16" name="PlaceHolder 3"/>
           <p:cNvSpPr>
             <a:spLocks noGrp="1"/>
           </p:cNvSpPr>
@@ -2287,8 +2312,8 @@
         </p:nvSpPr>
         <p:spPr>
           <a:xfrm>
-            <a:off x="1024200" y="4387320"/>
-            <a:ext cx="4743000" cy="1918800"/>
+            <a:off x="609480" y="3682080"/>
+            <a:ext cx="5354280" cy="1896840"/>
           </a:xfrm>
           <a:prstGeom prst="rect">
             <a:avLst/>
@@ -2303,7 +2328,7 @@
       </p:sp>
       <p:sp>
         <p:nvSpPr>
-          <p:cNvPr id="20" name="PlaceHolder 4"/>
+          <p:cNvPr id="17" name="PlaceHolder 4"/>
           <p:cNvSpPr>
             <a:spLocks noGrp="1"/>
           </p:cNvSpPr>
@@ -2313,8 +2338,8 @@
         </p:nvSpPr>
         <p:spPr>
           <a:xfrm>
-            <a:off x="6004800" y="2286000"/>
-            <a:ext cx="4743000" cy="4023000"/>
+            <a:off x="6231960" y="1604520"/>
+            <a:ext cx="5354280" cy="3977280"/>
           </a:xfrm>
           <a:prstGeom prst="rect">
             <a:avLst/>
@@ -2351,7 +2376,7 @@
       </p:grpSpPr>
       <p:sp>
         <p:nvSpPr>
-          <p:cNvPr id="21" name="PlaceHolder 1"/>
+          <p:cNvPr id="18" name="PlaceHolder 1"/>
           <p:cNvSpPr>
             <a:spLocks noGrp="1"/>
           </p:cNvSpPr>
@@ -2361,8 +2386,8 @@
         </p:nvSpPr>
         <p:spPr>
           <a:xfrm>
-            <a:off x="1024200" y="585360"/>
-            <a:ext cx="9719640" cy="1499400"/>
+            <a:off x="609480" y="273600"/>
+            <a:ext cx="10972440" cy="1144800"/>
           </a:xfrm>
           <a:prstGeom prst="rect">
             <a:avLst/>
@@ -2371,13 +2396,14 @@
         <p:txBody>
           <a:bodyPr lIns="0" rIns="0" tIns="0" bIns="0" anchor="ctr"/>
           <a:p>
-            <a:endParaRPr/>
-          </a:p>
-        </p:txBody>
-      </p:sp>
-      <p:sp>
-        <p:nvSpPr>
-          <p:cNvPr id="22" name="PlaceHolder 2"/>
+            <a:pPr algn="ctr"/>
+            <a:endParaRPr/>
+          </a:p>
+        </p:txBody>
+      </p:sp>
+      <p:sp>
+        <p:nvSpPr>
+          <p:cNvPr id="19" name="PlaceHolder 2"/>
           <p:cNvSpPr>
             <a:spLocks noGrp="1"/>
           </p:cNvSpPr>
@@ -2387,8 +2413,8 @@
         </p:nvSpPr>
         <p:spPr>
           <a:xfrm>
-            <a:off x="1024200" y="2286000"/>
-            <a:ext cx="4743000" cy="4023000"/>
+            <a:off x="609480" y="1604520"/>
+            <a:ext cx="5354280" cy="3977280"/>
           </a:xfrm>
           <a:prstGeom prst="rect">
             <a:avLst/>
@@ -2403,7 +2429,7 @@
       </p:sp>
       <p:sp>
         <p:nvSpPr>
-          <p:cNvPr id="23" name="PlaceHolder 3"/>
+          <p:cNvPr id="20" name="PlaceHolder 3"/>
           <p:cNvSpPr>
             <a:spLocks noGrp="1"/>
           </p:cNvSpPr>
@@ -2413,8 +2439,8 @@
         </p:nvSpPr>
         <p:spPr>
           <a:xfrm>
-            <a:off x="6004800" y="2286000"/>
-            <a:ext cx="4743000" cy="1918800"/>
+            <a:off x="6231960" y="1604520"/>
+            <a:ext cx="5354280" cy="1896840"/>
           </a:xfrm>
           <a:prstGeom prst="rect">
             <a:avLst/>
@@ -2429,7 +2455,7 @@
       </p:sp>
       <p:sp>
         <p:nvSpPr>
-          <p:cNvPr id="24" name="PlaceHolder 4"/>
+          <p:cNvPr id="21" name="PlaceHolder 4"/>
           <p:cNvSpPr>
             <a:spLocks noGrp="1"/>
           </p:cNvSpPr>
@@ -2439,8 +2465,8 @@
         </p:nvSpPr>
         <p:spPr>
           <a:xfrm>
-            <a:off x="6004800" y="4387320"/>
-            <a:ext cx="4743000" cy="1918800"/>
+            <a:off x="6231960" y="3682080"/>
+            <a:ext cx="5354280" cy="1896840"/>
           </a:xfrm>
           <a:prstGeom prst="rect">
             <a:avLst/>
@@ -2477,7 +2503,7 @@
       </p:grpSpPr>
       <p:sp>
         <p:nvSpPr>
-          <p:cNvPr id="25" name="PlaceHolder 1"/>
+          <p:cNvPr id="22" name="PlaceHolder 1"/>
           <p:cNvSpPr>
             <a:spLocks noGrp="1"/>
           </p:cNvSpPr>
@@ -2487,8 +2513,8 @@
         </p:nvSpPr>
         <p:spPr>
           <a:xfrm>
-            <a:off x="1024200" y="585360"/>
-            <a:ext cx="9719640" cy="1499400"/>
+            <a:off x="609480" y="273600"/>
+            <a:ext cx="10972440" cy="1144800"/>
           </a:xfrm>
           <a:prstGeom prst="rect">
             <a:avLst/>
@@ -2497,13 +2523,14 @@
         <p:txBody>
           <a:bodyPr lIns="0" rIns="0" tIns="0" bIns="0" anchor="ctr"/>
           <a:p>
-            <a:endParaRPr/>
-          </a:p>
-        </p:txBody>
-      </p:sp>
-      <p:sp>
-        <p:nvSpPr>
-          <p:cNvPr id="26" name="PlaceHolder 2"/>
+            <a:pPr algn="ctr"/>
+            <a:endParaRPr/>
+          </a:p>
+        </p:txBody>
+      </p:sp>
+      <p:sp>
+        <p:nvSpPr>
+          <p:cNvPr id="23" name="PlaceHolder 2"/>
           <p:cNvSpPr>
             <a:spLocks noGrp="1"/>
           </p:cNvSpPr>
@@ -2513,8 +2540,8 @@
         </p:nvSpPr>
         <p:spPr>
           <a:xfrm>
-            <a:off x="1024200" y="2286000"/>
-            <a:ext cx="4743000" cy="1918800"/>
+            <a:off x="609480" y="1604520"/>
+            <a:ext cx="5354280" cy="1896840"/>
           </a:xfrm>
           <a:prstGeom prst="rect">
             <a:avLst/>
@@ -2529,7 +2556,7 @@
       </p:sp>
       <p:sp>
         <p:nvSpPr>
-          <p:cNvPr id="27" name="PlaceHolder 3"/>
+          <p:cNvPr id="24" name="PlaceHolder 3"/>
           <p:cNvSpPr>
             <a:spLocks noGrp="1"/>
           </p:cNvSpPr>
@@ -2539,8 +2566,8 @@
         </p:nvSpPr>
         <p:spPr>
           <a:xfrm>
-            <a:off x="6004800" y="2286000"/>
-            <a:ext cx="4743000" cy="1918800"/>
+            <a:off x="6231960" y="1604520"/>
+            <a:ext cx="5354280" cy="1896840"/>
           </a:xfrm>
           <a:prstGeom prst="rect">
             <a:avLst/>
@@ -2555,7 +2582,7 @@
       </p:sp>
       <p:sp>
         <p:nvSpPr>
-          <p:cNvPr id="28" name="PlaceHolder 4"/>
+          <p:cNvPr id="25" name="PlaceHolder 4"/>
           <p:cNvSpPr>
             <a:spLocks noGrp="1"/>
           </p:cNvSpPr>
@@ -2565,8 +2592,8 @@
         </p:nvSpPr>
         <p:spPr>
           <a:xfrm>
-            <a:off x="1024200" y="4387320"/>
-            <a:ext cx="9719640" cy="1918800"/>
+            <a:off x="609480" y="3682080"/>
+            <a:ext cx="10972440" cy="1896840"/>
           </a:xfrm>
           <a:prstGeom prst="rect">
             <a:avLst/>
@@ -2639,7 +2666,7 @@
         <p:spPr>
           <a:xfrm>
             <a:off x="0" y="0"/>
-            <a:ext cx="12191760" cy="4571640"/>
+            <a:ext cx="12191400" cy="4571280"/>
           </a:xfrm>
           <a:prstGeom prst="rect">
             <a:avLst/>
@@ -2668,153 +2695,7 @@
       </p:sp>
       <p:sp>
         <p:nvSpPr>
-          <p:cNvPr id="2" name="PlaceHolder 3"/>
-          <p:cNvSpPr>
-            <a:spLocks noGrp="1"/>
-          </p:cNvSpPr>
-          <p:nvPr>
-            <p:ph type="title"/>
-          </p:nvPr>
-        </p:nvSpPr>
-        <p:spPr>
-          <a:xfrm>
-            <a:off x="457200" y="4960080"/>
-            <a:ext cx="7772040" cy="1462680"/>
-          </a:xfrm>
-          <a:prstGeom prst="rect">
-            <a:avLst/>
-          </a:prstGeom>
-        </p:spPr>
-        <p:txBody>
-          <a:bodyPr anchor="ctr"/>
-          <a:p>
-            <a:pPr algn="r">
-              <a:lnSpc>
-                <a:spcPct val="100000"/>
-              </a:lnSpc>
-            </a:pPr>
-            <a:r>
-              <a:rPr lang="en-US" sz="5000" strike="noStrike">
-                <a:solidFill>
-                  <a:srgbClr val="474233"/>
-                </a:solidFill>
-                <a:latin typeface="Tw Cen MT Condensed"/>
-              </a:rPr>
-              <a:t>Format des Titeltextes durch Klicken bearbeitenTitelmasterformat durch Klicken bearbeiten</a:t>
-            </a:r>
-            <a:endParaRPr/>
-          </a:p>
-        </p:txBody>
-      </p:sp>
-      <p:sp>
-        <p:nvSpPr>
-          <p:cNvPr id="3" name="PlaceHolder 4"/>
-          <p:cNvSpPr>
-            <a:spLocks noGrp="1"/>
-          </p:cNvSpPr>
-          <p:nvPr>
-            <p:ph type="dt"/>
-          </p:nvPr>
-        </p:nvSpPr>
-        <p:spPr>
-          <a:xfrm>
-            <a:off x="1024200" y="6470640"/>
-            <a:ext cx="2153880" cy="273960"/>
-          </a:xfrm>
-          <a:prstGeom prst="rect">
-            <a:avLst/>
-          </a:prstGeom>
-        </p:spPr>
-        <p:txBody>
-          <a:bodyPr anchor="ctr"/>
-          <a:p>
-            <a:pPr>
-              <a:lnSpc>
-                <a:spcPct val="100000"/>
-              </a:lnSpc>
-            </a:pPr>
-            <a:r>
-              <a:rPr lang="de-DE" sz="1000" strike="noStrike">
-                <a:solidFill>
-                  <a:srgbClr val="474233"/>
-                </a:solidFill>
-                <a:latin typeface="Tw Cen MT Condensed"/>
-              </a:rPr>
-              <a:t>29.06.15</a:t>
-            </a:r>
-            <a:endParaRPr/>
-          </a:p>
-        </p:txBody>
-      </p:sp>
-      <p:sp>
-        <p:nvSpPr>
-          <p:cNvPr id="4" name="PlaceHolder 5"/>
-          <p:cNvSpPr>
-            <a:spLocks noGrp="1"/>
-          </p:cNvSpPr>
-          <p:nvPr>
-            <p:ph type="ftr"/>
-          </p:nvPr>
-        </p:nvSpPr>
-        <p:spPr>
-          <a:xfrm>
-            <a:off x="4843080" y="6470640"/>
-            <a:ext cx="5901120" cy="273960"/>
-          </a:xfrm>
-          <a:prstGeom prst="rect">
-            <a:avLst/>
-          </a:prstGeom>
-        </p:spPr>
-        <p:txBody>
-          <a:bodyPr anchor="ctr"/>
-          <a:p>
-            <a:endParaRPr/>
-          </a:p>
-        </p:txBody>
-      </p:sp>
-      <p:sp>
-        <p:nvSpPr>
-          <p:cNvPr id="5" name="PlaceHolder 6"/>
-          <p:cNvSpPr>
-            <a:spLocks noGrp="1"/>
-          </p:cNvSpPr>
-          <p:nvPr>
-            <p:ph type="sldNum"/>
-          </p:nvPr>
-        </p:nvSpPr>
-        <p:spPr>
-          <a:xfrm>
-            <a:off x="10837440" y="6470640"/>
-            <a:ext cx="973440" cy="273960"/>
-          </a:xfrm>
-          <a:prstGeom prst="rect">
-            <a:avLst/>
-          </a:prstGeom>
-        </p:spPr>
-        <p:txBody>
-          <a:bodyPr anchor="ctr"/>
-          <a:p>
-            <a:pPr>
-              <a:lnSpc>
-                <a:spcPct val="100000"/>
-              </a:lnSpc>
-            </a:pPr>
-            <a:fld id="{CA8531CE-AB88-4F7A-BDC6-130609738483}" type="slidenum">
-              <a:rPr lang="de-DE" sz="1000" strike="noStrike">
-                <a:solidFill>
-                  <a:srgbClr val="474233"/>
-                </a:solidFill>
-                <a:latin typeface="Tw Cen MT Condensed"/>
-              </a:rPr>
-              <a:t>&lt;Foliennummer&gt;</a:t>
-            </a:fld>
-            <a:endParaRPr/>
-          </a:p>
-        </p:txBody>
-      </p:sp>
-      <p:sp>
-        <p:nvSpPr>
-          <p:cNvPr id="6" name="Line 7"/>
+          <p:cNvPr id="2" name="Line 3"/>
           <p:cNvSpPr/>
           <p:nvPr/>
         </p:nvSpPr>
@@ -2836,7 +2717,39 @@
       </p:sp>
       <p:sp>
         <p:nvSpPr>
-          <p:cNvPr id="7" name="PlaceHolder 8"/>
+          <p:cNvPr id="3" name="PlaceHolder 4"/>
+          <p:cNvSpPr>
+            <a:spLocks noGrp="1"/>
+          </p:cNvSpPr>
+          <p:nvPr>
+            <p:ph type="title"/>
+          </p:nvPr>
+        </p:nvSpPr>
+        <p:spPr>
+          <a:xfrm>
+            <a:off x="1024200" y="585360"/>
+            <a:ext cx="9719280" cy="1499040"/>
+          </a:xfrm>
+          <a:prstGeom prst="rect">
+            <a:avLst/>
+          </a:prstGeom>
+        </p:spPr>
+        <p:txBody>
+          <a:bodyPr lIns="0" rIns="0" tIns="0" bIns="0" anchor="ctr"/>
+          <a:p>
+            <a:r>
+              <a:rPr lang="de-DE">
+                <a:latin typeface="Arial"/>
+              </a:rPr>
+              <a:t>Format des Titeltextes durch Klicken bearbeiten</a:t>
+            </a:r>
+            <a:endParaRPr/>
+          </a:p>
+        </p:txBody>
+      </p:sp>
+      <p:sp>
+        <p:nvSpPr>
+          <p:cNvPr id="4" name="PlaceHolder 5"/>
           <p:cNvSpPr>
             <a:spLocks noGrp="1"/>
           </p:cNvSpPr>
@@ -2862,8 +2775,8 @@
               <a:buChar char=""/>
             </a:pPr>
             <a:r>
-              <a:rPr lang="en-US" sz="2200">
-                <a:latin typeface="Tw Cen MT"/>
+              <a:rPr lang="de-DE" sz="3200">
+                <a:latin typeface="Arial"/>
               </a:rPr>
               <a:t>Format des Gliederungstextes durch Klicken bearbeiten</a:t>
             </a:r>
@@ -2876,8 +2789,8 @@
               <a:buChar char=""/>
             </a:pPr>
             <a:r>
-              <a:rPr lang="en-US" sz="1400">
-                <a:latin typeface="Tw Cen MT"/>
+              <a:rPr lang="de-DE" sz="2800">
+                <a:latin typeface="Arial"/>
               </a:rPr>
               <a:t>Zweite Gliederungsebene</a:t>
             </a:r>
@@ -2890,8 +2803,8 @@
               <a:buChar char=""/>
             </a:pPr>
             <a:r>
-              <a:rPr lang="en-US" sz="1400">
-                <a:latin typeface="Tw Cen MT"/>
+              <a:rPr lang="de-DE" sz="2400">
+                <a:latin typeface="Arial"/>
               </a:rPr>
               <a:t>Dritte Gliederungsebene</a:t>
             </a:r>
@@ -2904,8 +2817,8 @@
               <a:buChar char=""/>
             </a:pPr>
             <a:r>
-              <a:rPr lang="en-US" sz="1400">
-                <a:latin typeface="Tw Cen MT"/>
+              <a:rPr lang="de-DE" sz="2000">
+                <a:latin typeface="Arial"/>
               </a:rPr>
               <a:t>Vierte Gliederungsebene</a:t>
             </a:r>
@@ -2918,8 +2831,8 @@
               <a:buChar char=""/>
             </a:pPr>
             <a:r>
-              <a:rPr lang="en-US" sz="2000">
-                <a:latin typeface="Tw Cen MT"/>
+              <a:rPr lang="de-DE" sz="2000">
+                <a:latin typeface="Arial"/>
               </a:rPr>
               <a:t>Fünfte Gliederungsebene</a:t>
             </a:r>
@@ -2932,8 +2845,8 @@
               <a:buChar char=""/>
             </a:pPr>
             <a:r>
-              <a:rPr lang="en-US" sz="2000">
-                <a:latin typeface="Tw Cen MT"/>
+              <a:rPr lang="de-DE" sz="2000">
+                <a:latin typeface="Arial"/>
               </a:rPr>
               <a:t>Sechste Gliederungsebene</a:t>
             </a:r>
@@ -2946,8 +2859,8 @@
               <a:buChar char=""/>
             </a:pPr>
             <a:r>
-              <a:rPr lang="en-US" sz="2000">
-                <a:latin typeface="Tw Cen MT"/>
+              <a:rPr lang="de-DE" sz="2000">
+                <a:latin typeface="Arial"/>
               </a:rPr>
               <a:t>Siebte Gliederungsebene</a:t>
             </a:r>
@@ -3001,7 +2914,7 @@
       </p:grpSpPr>
       <p:sp>
         <p:nvSpPr>
-          <p:cNvPr id="42" name="Line 1"/>
+          <p:cNvPr id="39" name="Line 1"/>
           <p:cNvSpPr/>
           <p:nvPr/>
         </p:nvSpPr>
@@ -3023,7 +2936,7 @@
       </p:sp>
       <p:sp>
         <p:nvSpPr>
-          <p:cNvPr id="43" name="PlaceHolder 2"/>
+          <p:cNvPr id="40" name="PlaceHolder 2"/>
           <p:cNvSpPr>
             <a:spLocks noGrp="1"/>
           </p:cNvSpPr>
@@ -3033,37 +2946,30 @@
         </p:nvSpPr>
         <p:spPr>
           <a:xfrm>
-            <a:off x="1024200" y="585360"/>
-            <a:ext cx="9719640" cy="1499400"/>
-          </a:xfrm>
-          <a:prstGeom prst="rect">
-            <a:avLst/>
-          </a:prstGeom>
-        </p:spPr>
-        <p:txBody>
-          <a:bodyPr anchor="ctr"/>
-          <a:p>
-            <a:pPr>
-              <a:lnSpc>
-                <a:spcPct val="80000"/>
-              </a:lnSpc>
-            </a:pPr>
-            <a:r>
-              <a:rPr lang="en-US" sz="5000" strike="noStrike">
-                <a:solidFill>
-                  <a:srgbClr val="474233"/>
-                </a:solidFill>
-                <a:latin typeface="Tw Cen MT Condensed"/>
-              </a:rPr>
-              <a:t>Format des Titeltextes durch Klicken bearbeitenTitelmasterformat durch Klicken bearbeiten</a:t>
-            </a:r>
-            <a:endParaRPr/>
-          </a:p>
-        </p:txBody>
-      </p:sp>
-      <p:sp>
-        <p:nvSpPr>
-          <p:cNvPr id="44" name="PlaceHolder 3"/>
+            <a:off x="609480" y="273600"/>
+            <a:ext cx="10972440" cy="1144800"/>
+          </a:xfrm>
+          <a:prstGeom prst="rect">
+            <a:avLst/>
+          </a:prstGeom>
+        </p:spPr>
+        <p:txBody>
+          <a:bodyPr lIns="0" rIns="0" tIns="0" bIns="0" anchor="ctr"/>
+          <a:p>
+            <a:pPr algn="ctr"/>
+            <a:r>
+              <a:rPr lang="de-DE" sz="4400">
+                <a:latin typeface="Arial"/>
+              </a:rPr>
+              <a:t>Format des Titeltextes durch Klicken bearbeiten</a:t>
+            </a:r>
+            <a:endParaRPr/>
+          </a:p>
+        </p:txBody>
+      </p:sp>
+      <p:sp>
+        <p:nvSpPr>
+          <p:cNvPr id="41" name="PlaceHolder 3"/>
           <p:cNvSpPr>
             <a:spLocks noGrp="1"/>
           </p:cNvSpPr>
@@ -3073,15 +2979,15 @@
         </p:nvSpPr>
         <p:spPr>
           <a:xfrm>
-            <a:off x="1024200" y="2286000"/>
-            <a:ext cx="9719640" cy="4023000"/>
-          </a:xfrm>
-          <a:prstGeom prst="rect">
-            <a:avLst/>
-          </a:prstGeom>
-        </p:spPr>
-        <p:txBody>
-          <a:bodyPr lIns="45720" rIns="45720"/>
+            <a:off x="609480" y="1604520"/>
+            <a:ext cx="10972440" cy="3977280"/>
+          </a:xfrm>
+          <a:prstGeom prst="rect">
+            <a:avLst/>
+          </a:prstGeom>
+        </p:spPr>
+        <p:txBody>
+          <a:bodyPr lIns="0" rIns="0" tIns="0" bIns="0"/>
           <a:p>
             <a:pPr>
               <a:buSzPct val="45000"/>
@@ -3089,11 +2995,8 @@
               <a:buChar char=""/>
             </a:pPr>
             <a:r>
-              <a:rPr lang="en-US" sz="2200" strike="noStrike">
-                <a:solidFill>
-                  <a:srgbClr val="2e2b21"/>
-                </a:solidFill>
-                <a:latin typeface="Tw Cen MT"/>
+              <a:rPr lang="de-DE" sz="3200">
+                <a:latin typeface="Arial"/>
               </a:rPr>
               <a:t>Format des Gliederungstextes durch Klicken bearbeiten</a:t>
             </a:r>
@@ -3106,11 +3009,8 @@
               <a:buChar char=""/>
             </a:pPr>
             <a:r>
-              <a:rPr lang="en-US" sz="2200" strike="noStrike">
-                <a:solidFill>
-                  <a:srgbClr val="2e2b21"/>
-                </a:solidFill>
-                <a:latin typeface="Tw Cen MT"/>
+              <a:rPr lang="de-DE" sz="2800">
+                <a:latin typeface="Arial"/>
               </a:rPr>
               <a:t>Zweite Gliederungsebene</a:t>
             </a:r>
@@ -3123,11 +3023,8 @@
               <a:buChar char=""/>
             </a:pPr>
             <a:r>
-              <a:rPr lang="en-US" sz="2200" strike="noStrike">
-                <a:solidFill>
-                  <a:srgbClr val="2e2b21"/>
-                </a:solidFill>
-                <a:latin typeface="Tw Cen MT"/>
+              <a:rPr lang="de-DE" sz="2400">
+                <a:latin typeface="Arial"/>
               </a:rPr>
               <a:t>Dritte Gliederungsebene</a:t>
             </a:r>
@@ -3140,11 +3037,8 @@
               <a:buChar char=""/>
             </a:pPr>
             <a:r>
-              <a:rPr lang="en-US" sz="2200" strike="noStrike">
-                <a:solidFill>
-                  <a:srgbClr val="2e2b21"/>
-                </a:solidFill>
-                <a:latin typeface="Tw Cen MT"/>
+              <a:rPr lang="de-DE" sz="2000">
+                <a:latin typeface="Arial"/>
               </a:rPr>
               <a:t>Vierte Gliederungsebene</a:t>
             </a:r>
@@ -3157,11 +3051,8 @@
               <a:buChar char=""/>
             </a:pPr>
             <a:r>
-              <a:rPr lang="en-US" sz="2200" strike="noStrike">
-                <a:solidFill>
-                  <a:srgbClr val="2e2b21"/>
-                </a:solidFill>
-                <a:latin typeface="Tw Cen MT"/>
+              <a:rPr lang="de-DE" sz="2000">
+                <a:latin typeface="Arial"/>
               </a:rPr>
               <a:t>Fünfte Gliederungsebene</a:t>
             </a:r>
@@ -3174,215 +3065,25 @@
               <a:buChar char=""/>
             </a:pPr>
             <a:r>
-              <a:rPr lang="en-US" sz="2200" strike="noStrike">
-                <a:solidFill>
-                  <a:srgbClr val="2e2b21"/>
-                </a:solidFill>
-                <a:latin typeface="Tw Cen MT"/>
+              <a:rPr lang="de-DE" sz="2000">
+                <a:latin typeface="Arial"/>
               </a:rPr>
               <a:t>Sechste Gliederungsebene</a:t>
             </a:r>
             <a:endParaRPr/>
           </a:p>
           <a:p>
-            <a:pPr>
-              <a:lnSpc>
-                <a:spcPct val="100000"/>
-              </a:lnSpc>
-              <a:buFont typeface="Tw Cen MT"/>
-              <a:buChar char=" "/>
-            </a:pPr>
-            <a:r>
-              <a:rPr lang="en-US" sz="2200" strike="noStrike">
-                <a:solidFill>
-                  <a:srgbClr val="2e2b21"/>
-                </a:solidFill>
-                <a:latin typeface="Tw Cen MT"/>
-              </a:rPr>
-              <a:t>Siebte GliederungsebeneTextmasterformat bearbeiten</a:t>
-            </a:r>
-            <a:endParaRPr/>
-          </a:p>
-          <a:p>
-            <a:pPr lvl="1">
-              <a:lnSpc>
-                <a:spcPct val="100000"/>
-              </a:lnSpc>
-              <a:buFont typeface="Wingdings 3" charset="2"/>
-              <a:buChar char=""/>
-            </a:pPr>
-            <a:r>
-              <a:rPr lang="en-US" strike="noStrike">
-                <a:solidFill>
-                  <a:srgbClr val="2e2b21"/>
-                </a:solidFill>
-                <a:latin typeface="Tw Cen MT"/>
-              </a:rPr>
-              <a:t>Zweite Ebene</a:t>
-            </a:r>
-            <a:endParaRPr/>
-          </a:p>
-          <a:p>
-            <a:pPr lvl="2">
-              <a:lnSpc>
-                <a:spcPct val="100000"/>
-              </a:lnSpc>
-              <a:buFont typeface="Wingdings 3" charset="2"/>
-              <a:buChar char=""/>
-            </a:pPr>
-            <a:r>
-              <a:rPr lang="en-US" sz="1400" strike="noStrike">
-                <a:solidFill>
-                  <a:srgbClr val="2e2b21"/>
-                </a:solidFill>
-                <a:latin typeface="Tw Cen MT"/>
-              </a:rPr>
-              <a:t>Dritte Ebene</a:t>
-            </a:r>
-            <a:endParaRPr/>
-          </a:p>
-          <a:p>
-            <a:pPr lvl="3">
-              <a:lnSpc>
-                <a:spcPct val="100000"/>
-              </a:lnSpc>
-              <a:buFont typeface="Wingdings 3" charset="2"/>
-              <a:buChar char=""/>
-            </a:pPr>
-            <a:r>
-              <a:rPr lang="en-US" sz="1400" strike="noStrike">
-                <a:solidFill>
-                  <a:srgbClr val="2e2b21"/>
-                </a:solidFill>
-                <a:latin typeface="Tw Cen MT"/>
-              </a:rPr>
-              <a:t>Vierte Ebene</a:t>
-            </a:r>
-            <a:endParaRPr/>
-          </a:p>
-          <a:p>
-            <a:pPr lvl="4">
-              <a:lnSpc>
-                <a:spcPct val="100000"/>
-              </a:lnSpc>
-              <a:buFont typeface="Wingdings 3" charset="2"/>
-              <a:buChar char=""/>
-            </a:pPr>
-            <a:r>
-              <a:rPr lang="en-US" sz="1400" strike="noStrike">
-                <a:solidFill>
-                  <a:srgbClr val="2e2b21"/>
-                </a:solidFill>
-                <a:latin typeface="Tw Cen MT"/>
-              </a:rPr>
-              <a:t>Fünfte Ebene</a:t>
-            </a:r>
-            <a:endParaRPr/>
-          </a:p>
-        </p:txBody>
-      </p:sp>
-      <p:sp>
-        <p:nvSpPr>
-          <p:cNvPr id="45" name="PlaceHolder 4"/>
-          <p:cNvSpPr>
-            <a:spLocks noGrp="1"/>
-          </p:cNvSpPr>
-          <p:nvPr>
-            <p:ph type="dt"/>
-          </p:nvPr>
-        </p:nvSpPr>
-        <p:spPr>
-          <a:xfrm>
-            <a:off x="1024200" y="6470640"/>
-            <a:ext cx="2153880" cy="273960"/>
-          </a:xfrm>
-          <a:prstGeom prst="rect">
-            <a:avLst/>
-          </a:prstGeom>
-        </p:spPr>
-        <p:txBody>
-          <a:bodyPr anchor="ctr"/>
-          <a:p>
-            <a:pPr>
-              <a:lnSpc>
-                <a:spcPct val="100000"/>
-              </a:lnSpc>
-            </a:pPr>
-            <a:r>
-              <a:rPr lang="de-DE" sz="1000" strike="noStrike">
-                <a:solidFill>
-                  <a:srgbClr val="474233"/>
-                </a:solidFill>
-                <a:latin typeface="Tw Cen MT Condensed"/>
-              </a:rPr>
-              <a:t>29.06.15</a:t>
-            </a:r>
-            <a:endParaRPr/>
-          </a:p>
-        </p:txBody>
-      </p:sp>
-      <p:sp>
-        <p:nvSpPr>
-          <p:cNvPr id="46" name="PlaceHolder 5"/>
-          <p:cNvSpPr>
-            <a:spLocks noGrp="1"/>
-          </p:cNvSpPr>
-          <p:nvPr>
-            <p:ph type="ftr"/>
-          </p:nvPr>
-        </p:nvSpPr>
-        <p:spPr>
-          <a:xfrm>
-            <a:off x="4843080" y="6470640"/>
-            <a:ext cx="5901120" cy="273960"/>
-          </a:xfrm>
-          <a:prstGeom prst="rect">
-            <a:avLst/>
-          </a:prstGeom>
-        </p:spPr>
-        <p:txBody>
-          <a:bodyPr anchor="ctr"/>
-          <a:p>
-            <a:endParaRPr/>
-          </a:p>
-        </p:txBody>
-      </p:sp>
-      <p:sp>
-        <p:nvSpPr>
-          <p:cNvPr id="47" name="PlaceHolder 6"/>
-          <p:cNvSpPr>
-            <a:spLocks noGrp="1"/>
-          </p:cNvSpPr>
-          <p:nvPr>
-            <p:ph type="sldNum"/>
-          </p:nvPr>
-        </p:nvSpPr>
-        <p:spPr>
-          <a:xfrm>
-            <a:off x="10837440" y="6470640"/>
-            <a:ext cx="973440" cy="273960"/>
-          </a:xfrm>
-          <a:prstGeom prst="rect">
-            <a:avLst/>
-          </a:prstGeom>
-        </p:spPr>
-        <p:txBody>
-          <a:bodyPr anchor="ctr"/>
-          <a:p>
-            <a:pPr>
-              <a:lnSpc>
-                <a:spcPct val="100000"/>
-              </a:lnSpc>
-            </a:pPr>
-            <a:fld id="{9988E221-7034-495C-BD61-45E622F99879}" type="slidenum">
-              <a:rPr lang="de-DE" sz="1000" strike="noStrike">
-                <a:solidFill>
-                  <a:srgbClr val="474233"/>
-                </a:solidFill>
-                <a:latin typeface="Tw Cen MT Condensed"/>
-              </a:rPr>
-              <a:t>&lt;Foliennummer&gt;</a:t>
-            </a:fld>
+            <a:pPr lvl="6">
+              <a:buSzPct val="45000"/>
+              <a:buFont typeface="StarSymbol"/>
+              <a:buChar char=""/>
+            </a:pPr>
+            <a:r>
+              <a:rPr lang="de-DE" sz="2000">
+                <a:latin typeface="Arial"/>
+              </a:rPr>
+              <a:t>Siebte Gliederungsebene</a:t>
+            </a:r>
             <a:endParaRPr/>
           </a:p>
         </p:txBody>
@@ -3426,14 +3127,14 @@
       </p:grpSpPr>
       <p:sp>
         <p:nvSpPr>
-          <p:cNvPr id="87" name="TextShape 1"/>
-          <p:cNvSpPr txBox="1"/>
+          <p:cNvPr id="81" name="CustomShape 1"/>
+          <p:cNvSpPr/>
           <p:nvPr/>
         </p:nvSpPr>
         <p:spPr>
           <a:xfrm>
             <a:off x="457200" y="4960080"/>
-            <a:ext cx="7772040" cy="1462680"/>
+            <a:ext cx="7771680" cy="1462320"/>
           </a:xfrm>
           <a:prstGeom prst="rect">
             <a:avLst/>
@@ -3443,8 +3144,14 @@
             <a:noFill/>
           </a:ln>
         </p:spPr>
-        <p:txBody>
-          <a:bodyPr anchor="ctr"/>
+        <p:style>
+          <a:lnRef idx="0"/>
+          <a:fillRef idx="0"/>
+          <a:effectRef idx="0"/>
+          <a:fontRef idx="minor"/>
+        </p:style>
+        <p:txBody>
+          <a:bodyPr lIns="90000" rIns="90000" tIns="45000" bIns="45000" anchor="ctr"/>
           <a:p>
             <a:pPr algn="r">
               <a:lnSpc>
@@ -3452,11 +3159,11 @@
               </a:lnSpc>
             </a:pPr>
             <a:r>
-              <a:rPr lang="en-US" sz="5000" strike="noStrike">
+              <a:rPr lang="de-DE" sz="5000" strike="noStrike">
                 <a:solidFill>
                   <a:srgbClr val="474233"/>
                 </a:solidFill>
-                <a:latin typeface="Tw Cen MT Condensed"/>
+                <a:latin typeface="Open Sans"/>
               </a:rPr>
               <a:t>Proof of concept</a:t>
             </a:r>
@@ -3466,14 +3173,14 @@
       </p:sp>
       <p:sp>
         <p:nvSpPr>
-          <p:cNvPr id="88" name="TextShape 2"/>
-          <p:cNvSpPr txBox="1"/>
+          <p:cNvPr id="82" name="CustomShape 2"/>
+          <p:cNvSpPr/>
           <p:nvPr/>
         </p:nvSpPr>
         <p:spPr>
           <a:xfrm>
             <a:off x="8610480" y="4960080"/>
-            <a:ext cx="3200040" cy="1462680"/>
+            <a:ext cx="3199680" cy="1462320"/>
           </a:xfrm>
           <a:prstGeom prst="rect">
             <a:avLst/>
@@ -3483,8 +3190,14 @@
             <a:noFill/>
           </a:ln>
         </p:spPr>
-        <p:txBody>
-          <a:bodyPr anchor="ctr"/>
+        <p:style>
+          <a:lnRef idx="0"/>
+          <a:fillRef idx="0"/>
+          <a:effectRef idx="0"/>
+          <a:fontRef idx="minor"/>
+        </p:style>
+        <p:txBody>
+          <a:bodyPr lIns="90000" rIns="90000" tIns="45000" bIns="45000" anchor="ctr"/>
           <a:p>
             <a:pPr>
               <a:lnSpc>
@@ -3523,14 +3236,14 @@
       </p:sp>
       <p:sp>
         <p:nvSpPr>
-          <p:cNvPr id="89" name="TextShape 3"/>
-          <p:cNvSpPr txBox="1"/>
+          <p:cNvPr id="83" name="CustomShape 3"/>
+          <p:cNvSpPr/>
           <p:nvPr/>
         </p:nvSpPr>
         <p:spPr>
           <a:xfrm>
             <a:off x="10837440" y="6470640"/>
-            <a:ext cx="973440" cy="273960"/>
+            <a:ext cx="973080" cy="273600"/>
           </a:xfrm>
           <a:prstGeom prst="rect">
             <a:avLst/>
@@ -3540,15 +3253,21 @@
             <a:noFill/>
           </a:ln>
         </p:spPr>
-        <p:txBody>
-          <a:bodyPr anchor="ctr"/>
+        <p:style>
+          <a:lnRef idx="0"/>
+          <a:fillRef idx="0"/>
+          <a:effectRef idx="0"/>
+          <a:fontRef idx="minor"/>
+        </p:style>
+        <p:txBody>
+          <a:bodyPr lIns="90000" rIns="90000" tIns="45000" bIns="45000" anchor="ctr"/>
           <a:p>
             <a:pPr>
               <a:lnSpc>
                 <a:spcPct val="100000"/>
               </a:lnSpc>
             </a:pPr>
-            <a:fld id="{1D5D2542-5599-40F1-9A97-B7E4501DBCEF}" type="slidenum">
+            <a:fld id="{621263B4-814D-4419-B03F-7E829CAA6E7C}" type="slidenum">
               <a:rPr lang="de-DE" sz="1000" strike="noStrike">
                 <a:solidFill>
                   <a:srgbClr val="474233"/>
@@ -3612,14 +3331,14 @@
       </p:grpSpPr>
       <p:sp>
         <p:nvSpPr>
-          <p:cNvPr id="90" name="TextShape 1"/>
-          <p:cNvSpPr txBox="1"/>
+          <p:cNvPr id="84" name="CustomShape 1"/>
+          <p:cNvSpPr/>
           <p:nvPr/>
         </p:nvSpPr>
         <p:spPr>
           <a:xfrm>
             <a:off x="1024200" y="585360"/>
-            <a:ext cx="9719640" cy="1499400"/>
+            <a:ext cx="9719280" cy="1499040"/>
           </a:xfrm>
           <a:prstGeom prst="rect">
             <a:avLst/>
@@ -3629,8 +3348,14 @@
             <a:noFill/>
           </a:ln>
         </p:spPr>
-        <p:txBody>
-          <a:bodyPr anchor="ctr"/>
+        <p:style>
+          <a:lnRef idx="0"/>
+          <a:fillRef idx="0"/>
+          <a:effectRef idx="0"/>
+          <a:fontRef idx="minor"/>
+        </p:style>
+        <p:txBody>
+          <a:bodyPr lIns="90000" rIns="90000" tIns="45000" bIns="45000" anchor="ctr"/>
           <a:p>
             <a:pPr>
               <a:lnSpc>
@@ -3638,11 +3363,11 @@
               </a:lnSpc>
             </a:pPr>
             <a:r>
-              <a:rPr lang="en-US" sz="5000" strike="noStrike">
+              <a:rPr lang="de-DE" sz="5000" strike="noStrike">
                 <a:solidFill>
                   <a:srgbClr val="474233"/>
                 </a:solidFill>
-                <a:latin typeface="Tw Cen MT Condensed"/>
+                <a:latin typeface="Open Sans"/>
               </a:rPr>
               <a:t>Gliederung</a:t>
             </a:r>
@@ -3652,14 +3377,14 @@
       </p:sp>
       <p:sp>
         <p:nvSpPr>
-          <p:cNvPr id="91" name="TextShape 2"/>
-          <p:cNvSpPr txBox="1"/>
+          <p:cNvPr id="85" name="CustomShape 2"/>
+          <p:cNvSpPr/>
           <p:nvPr/>
         </p:nvSpPr>
         <p:spPr>
           <a:xfrm>
             <a:off x="1024200" y="2286000"/>
-            <a:ext cx="9719640" cy="4023000"/>
+            <a:ext cx="9719280" cy="4022640"/>
           </a:xfrm>
           <a:prstGeom prst="rect">
             <a:avLst/>
@@ -3669,8 +3394,14 @@
             <a:noFill/>
           </a:ln>
         </p:spPr>
-        <p:txBody>
-          <a:bodyPr lIns="45720" rIns="45720"/>
+        <p:style>
+          <a:lnRef idx="0"/>
+          <a:fillRef idx="0"/>
+          <a:effectRef idx="0"/>
+          <a:fontRef idx="minor"/>
+        </p:style>
+        <p:txBody>
+          <a:bodyPr lIns="45720" rIns="45720" tIns="45000" bIns="45000"/>
           <a:p>
             <a:pPr>
               <a:lnSpc>
@@ -3680,20 +3411,20 @@
               <a:buChar char="o"/>
             </a:pPr>
             <a:r>
-              <a:rPr lang="en-US" sz="2200" strike="noStrike">
-                <a:solidFill>
-                  <a:srgbClr val="2e2b21"/>
-                </a:solidFill>
-                <a:latin typeface="Tw Cen MT"/>
+              <a:rPr lang="de-DE" sz="2200" strike="noStrike">
+                <a:solidFill>
+                  <a:srgbClr val="2e2b21"/>
+                </a:solidFill>
+                <a:latin typeface="Open Sans"/>
               </a:rPr>
               <a:t> </a:t>
             </a:r>
             <a:r>
-              <a:rPr lang="en-US" sz="2200" strike="noStrike">
-                <a:solidFill>
-                  <a:srgbClr val="2e2b21"/>
-                </a:solidFill>
-                <a:latin typeface="Tw Cen MT"/>
+              <a:rPr lang="de-DE" sz="2200" strike="noStrike">
+                <a:solidFill>
+                  <a:srgbClr val="2e2b21"/>
+                </a:solidFill>
+                <a:latin typeface="Open Sans"/>
               </a:rPr>
               <a:t>Konzeptänderungen &amp; -erweiterungen</a:t>
             </a:r>
@@ -3708,20 +3439,20 @@
               <a:buChar char="o"/>
             </a:pPr>
             <a:r>
-              <a:rPr lang="en-US" sz="2200" strike="noStrike">
-                <a:solidFill>
-                  <a:srgbClr val="2e2b21"/>
-                </a:solidFill>
-                <a:latin typeface="Tw Cen MT"/>
+              <a:rPr lang="de-DE" sz="2200" strike="noStrike">
+                <a:solidFill>
+                  <a:srgbClr val="2e2b21"/>
+                </a:solidFill>
+                <a:latin typeface="Open Sans"/>
               </a:rPr>
               <a:t> </a:t>
             </a:r>
             <a:r>
-              <a:rPr lang="en-US" sz="2200" strike="noStrike">
-                <a:solidFill>
-                  <a:srgbClr val="2e2b21"/>
-                </a:solidFill>
-                <a:latin typeface="Tw Cen MT"/>
+              <a:rPr lang="de-DE" sz="2200" strike="noStrike">
+                <a:solidFill>
+                  <a:srgbClr val="2e2b21"/>
+                </a:solidFill>
+                <a:latin typeface="Open Sans"/>
               </a:rPr>
               <a:t>Prototypen</a:t>
             </a:r>
@@ -3736,20 +3467,20 @@
               <a:buChar char="o"/>
             </a:pPr>
             <a:r>
-              <a:rPr lang="en-US" strike="noStrike">
-                <a:solidFill>
-                  <a:srgbClr val="2e2b21"/>
-                </a:solidFill>
-                <a:latin typeface="Tw Cen MT"/>
+              <a:rPr lang="de-DE" strike="noStrike">
+                <a:solidFill>
+                  <a:srgbClr val="2e2b21"/>
+                </a:solidFill>
+                <a:latin typeface="Open Sans"/>
               </a:rPr>
               <a:t> </a:t>
             </a:r>
             <a:r>
-              <a:rPr lang="en-US" strike="noStrike">
-                <a:solidFill>
-                  <a:srgbClr val="2e2b21"/>
-                </a:solidFill>
-                <a:latin typeface="Tw Cen MT"/>
+              <a:rPr lang="de-DE" strike="noStrike">
+                <a:solidFill>
+                  <a:srgbClr val="2e2b21"/>
+                </a:solidFill>
+                <a:latin typeface="Open Sans"/>
               </a:rPr>
               <a:t>Labyrinth</a:t>
             </a:r>
@@ -3764,20 +3495,20 @@
               <a:buChar char="o"/>
             </a:pPr>
             <a:r>
-              <a:rPr lang="en-US" strike="noStrike">
-                <a:solidFill>
-                  <a:srgbClr val="2e2b21"/>
-                </a:solidFill>
-                <a:latin typeface="Tw Cen MT"/>
+              <a:rPr lang="de-DE" strike="noStrike">
+                <a:solidFill>
+                  <a:srgbClr val="2e2b21"/>
+                </a:solidFill>
+                <a:latin typeface="Open Sans"/>
               </a:rPr>
               <a:t> </a:t>
             </a:r>
             <a:r>
-              <a:rPr lang="en-US" strike="noStrike">
-                <a:solidFill>
-                  <a:srgbClr val="2e2b21"/>
-                </a:solidFill>
-                <a:latin typeface="Tw Cen MT"/>
+              <a:rPr lang="de-DE" strike="noStrike">
+                <a:solidFill>
+                  <a:srgbClr val="2e2b21"/>
+                </a:solidFill>
+                <a:latin typeface="Open Sans"/>
               </a:rPr>
               <a:t>Netzwerk</a:t>
             </a:r>
@@ -3792,37 +3523,65 @@
               <a:buChar char="o"/>
             </a:pPr>
             <a:r>
-              <a:rPr lang="en-US" strike="noStrike">
-                <a:solidFill>
-                  <a:srgbClr val="2e2b21"/>
-                </a:solidFill>
-                <a:latin typeface="Tw Cen MT"/>
+              <a:rPr lang="de-DE" strike="noStrike">
+                <a:solidFill>
+                  <a:srgbClr val="2e2b21"/>
+                </a:solidFill>
+                <a:latin typeface="Open Sans"/>
               </a:rPr>
               <a:t> </a:t>
             </a:r>
             <a:r>
-              <a:rPr lang="en-US" strike="noStrike">
-                <a:solidFill>
-                  <a:srgbClr val="2e2b21"/>
-                </a:solidFill>
-                <a:latin typeface="Tw Cen MT"/>
+              <a:rPr lang="de-DE" strike="noStrike">
+                <a:solidFill>
+                  <a:srgbClr val="2e2b21"/>
+                </a:solidFill>
+                <a:latin typeface="Open Sans"/>
               </a:rPr>
               <a:t>Kampfsystem</a:t>
             </a:r>
             <a:endParaRPr/>
           </a:p>
-        </p:txBody>
-      </p:sp>
-      <p:sp>
-        <p:nvSpPr>
-          <p:cNvPr id="92" name="TextShape 3"/>
-          <p:cNvSpPr txBox="1"/>
+          <a:p>
+            <a:pPr lvl="1">
+              <a:lnSpc>
+                <a:spcPct val="100000"/>
+              </a:lnSpc>
+              <a:buFont typeface="Courier New"/>
+              <a:buChar char="o"/>
+            </a:pPr>
+            <a:r>
+              <a:rPr lang="de-DE" strike="noStrike">
+                <a:solidFill>
+                  <a:srgbClr val="2e2b21"/>
+                </a:solidFill>
+                <a:latin typeface="Open Sans"/>
+              </a:rPr>
+              <a:t> </a:t>
+            </a:r>
+            <a:r>
+              <a:rPr lang="de-DE" strike="noStrike">
+                <a:solidFill>
+                  <a:srgbClr val="2e2b21"/>
+                </a:solidFill>
+                <a:latin typeface="Open Sans"/>
+              </a:rPr>
+              <a:t>Game Master</a:t>
+            </a:r>
+            <a:endParaRPr/>
+          </a:p>
+        </p:txBody>
+      </p:sp>
+      <p:sp>
+        <p:nvSpPr>
+          <p:cNvPr id="86" name="CustomShape 3"/>
+          <p:cNvSpPr/>
           <p:nvPr/>
         </p:nvSpPr>
         <p:spPr>
           <a:xfrm>
             <a:off x="10837440" y="6470640"/>
-            <a:ext cx="973440" cy="273960"/>
+            <a:ext cx="973080" cy="273600"/>
           </a:xfrm>
           <a:prstGeom prst="rect">
             <a:avLst/>
@@ -3832,15 +3591,21 @@
             <a:noFill/>
           </a:ln>
         </p:spPr>
-        <p:txBody>
-          <a:bodyPr anchor="ctr"/>
+        <p:style>
+          <a:lnRef idx="0"/>
+          <a:fillRef idx="0"/>
+          <a:effectRef idx="0"/>
+          <a:fontRef idx="minor"/>
+        </p:style>
+        <p:txBody>
+          <a:bodyPr lIns="90000" rIns="90000" tIns="45000" bIns="45000" anchor="ctr"/>
           <a:p>
             <a:pPr>
               <a:lnSpc>
                 <a:spcPct val="100000"/>
               </a:lnSpc>
             </a:pPr>
-            <a:fld id="{B5F1915B-3F12-48B9-A6B0-BB90D26175E8}" type="slidenum">
+            <a:fld id="{F7CF7179-1DF8-4150-806B-393A8B63849B}" type="slidenum">
               <a:rPr lang="de-DE" sz="1000" strike="noStrike">
                 <a:solidFill>
                   <a:srgbClr val="474233"/>
@@ -3904,14 +3669,14 @@
       </p:grpSpPr>
       <p:sp>
         <p:nvSpPr>
-          <p:cNvPr id="93" name="TextShape 1"/>
-          <p:cNvSpPr txBox="1"/>
+          <p:cNvPr id="87" name="CustomShape 1"/>
+          <p:cNvSpPr/>
           <p:nvPr/>
         </p:nvSpPr>
         <p:spPr>
           <a:xfrm>
             <a:off x="1024200" y="585360"/>
-            <a:ext cx="9719640" cy="1499400"/>
+            <a:ext cx="9719280" cy="1499040"/>
           </a:xfrm>
           <a:prstGeom prst="rect">
             <a:avLst/>
@@ -3921,8 +3686,14 @@
             <a:noFill/>
           </a:ln>
         </p:spPr>
-        <p:txBody>
-          <a:bodyPr anchor="ctr"/>
+        <p:style>
+          <a:lnRef idx="0"/>
+          <a:fillRef idx="0"/>
+          <a:effectRef idx="0"/>
+          <a:fontRef idx="minor"/>
+        </p:style>
+        <p:txBody>
+          <a:bodyPr lIns="90000" rIns="90000" tIns="45000" bIns="45000" anchor="ctr"/>
           <a:p>
             <a:pPr>
               <a:lnSpc>
@@ -3930,11 +3701,11 @@
               </a:lnSpc>
             </a:pPr>
             <a:r>
-              <a:rPr lang="en-US" sz="5000" strike="noStrike">
+              <a:rPr lang="de-DE" sz="5000" strike="noStrike">
                 <a:solidFill>
                   <a:srgbClr val="474233"/>
                 </a:solidFill>
-                <a:latin typeface="Tw Cen MT Condensed"/>
+                <a:latin typeface="Open Sans"/>
               </a:rPr>
               <a:t>Konzeptänderungen &amp; -erweiterungen</a:t>
             </a:r>
@@ -3944,14 +3715,14 @@
       </p:sp>
       <p:sp>
         <p:nvSpPr>
-          <p:cNvPr id="94" name="TextShape 2"/>
-          <p:cNvSpPr txBox="1"/>
+          <p:cNvPr id="88" name="CustomShape 2"/>
+          <p:cNvSpPr/>
           <p:nvPr/>
         </p:nvSpPr>
         <p:spPr>
           <a:xfrm>
             <a:off x="1024200" y="2286000"/>
-            <a:ext cx="9719640" cy="4023000"/>
+            <a:ext cx="9719280" cy="4022640"/>
           </a:xfrm>
           <a:prstGeom prst="rect">
             <a:avLst/>
@@ -3961,8 +3732,14 @@
             <a:noFill/>
           </a:ln>
         </p:spPr>
-        <p:txBody>
-          <a:bodyPr lIns="45720" rIns="45720"/>
+        <p:style>
+          <a:lnRef idx="0"/>
+          <a:fillRef idx="0"/>
+          <a:effectRef idx="0"/>
+          <a:fontRef idx="minor"/>
+        </p:style>
+        <p:txBody>
+          <a:bodyPr lIns="45720" rIns="45720" tIns="45000" bIns="45000"/>
           <a:p>
             <a:pPr>
               <a:lnSpc>
@@ -3972,20 +3749,20 @@
               <a:buChar char="o"/>
             </a:pPr>
             <a:r>
-              <a:rPr lang="en-US" sz="2200" strike="noStrike">
-                <a:solidFill>
-                  <a:srgbClr val="2e2b21"/>
-                </a:solidFill>
-                <a:latin typeface="Tw Cen MT"/>
+              <a:rPr lang="de-DE" sz="2200" strike="noStrike">
+                <a:solidFill>
+                  <a:srgbClr val="2e2b21"/>
+                </a:solidFill>
+                <a:latin typeface="Open Sans"/>
               </a:rPr>
               <a:t> </a:t>
             </a:r>
             <a:r>
-              <a:rPr lang="en-US" sz="2200" strike="noStrike">
-                <a:solidFill>
-                  <a:srgbClr val="2e2b21"/>
-                </a:solidFill>
-                <a:latin typeface="Tw Cen MT"/>
+              <a:rPr lang="de-DE" sz="2200" strike="noStrike">
+                <a:solidFill>
+                  <a:srgbClr val="2e2b21"/>
+                </a:solidFill>
+                <a:latin typeface="Open Sans"/>
               </a:rPr>
               <a:t>Stärkere Unterscheidung zwischen Spieler/Game Master</a:t>
             </a:r>
@@ -4000,20 +3777,20 @@
               <a:buChar char="o"/>
             </a:pPr>
             <a:r>
-              <a:rPr lang="en-US" strike="noStrike">
-                <a:solidFill>
-                  <a:srgbClr val="2e2b21"/>
-                </a:solidFill>
-                <a:latin typeface="Tw Cen MT"/>
+              <a:rPr lang="de-DE" strike="noStrike">
+                <a:solidFill>
+                  <a:srgbClr val="2e2b21"/>
+                </a:solidFill>
+                <a:latin typeface="Open Sans"/>
               </a:rPr>
               <a:t> </a:t>
             </a:r>
             <a:r>
-              <a:rPr lang="en-US" strike="noStrike">
-                <a:solidFill>
-                  <a:srgbClr val="2e2b21"/>
-                </a:solidFill>
-                <a:latin typeface="Tw Cen MT"/>
+              <a:rPr lang="de-DE" strike="noStrike">
+                <a:solidFill>
+                  <a:srgbClr val="2e2b21"/>
+                </a:solidFill>
+                <a:latin typeface="Open Sans"/>
               </a:rPr>
               <a:t>Game Master ist dem Spieler kräftemäßig unterlegen</a:t>
             </a:r>
@@ -4028,26 +3805,31 @@
               <a:buChar char=""/>
             </a:pPr>
             <a:r>
-              <a:rPr lang="en-US" sz="1400" strike="noStrike">
-                <a:solidFill>
-                  <a:srgbClr val="2e2b21"/>
-                </a:solidFill>
-                <a:latin typeface="Tw Cen MT"/>
+              <a:rPr lang="de-DE" sz="1400" strike="noStrike">
+                <a:solidFill>
+                  <a:srgbClr val="2e2b21"/>
+                </a:solidFill>
+                <a:latin typeface="Open Sans"/>
               </a:rPr>
               <a:t> </a:t>
             </a:r>
             <a:r>
-              <a:rPr lang="en-US" sz="1400" strike="noStrike">
-                <a:solidFill>
-                  <a:srgbClr val="2e2b21"/>
-                </a:solidFill>
-                <a:latin typeface="Tw Cen MT"/>
+              <a:rPr lang="de-DE" sz="1400" strike="noStrike">
+                <a:solidFill>
+                  <a:srgbClr val="2e2b21"/>
+                </a:solidFill>
+                <a:latin typeface="Open Sans"/>
               </a:rPr>
               <a:t>Mehr Fokus auf Taktik und Nutzung der Game Master exklusiven Fähigkeiten wie Wände verschieben oder Gegner spawnen</a:t>
             </a:r>
             <a:endParaRPr/>
           </a:p>
           <a:p>
+            <a:pPr>
+              <a:lnSpc>
+                <a:spcPct val="100000"/>
+              </a:lnSpc>
+            </a:pPr>
             <a:endParaRPr/>
           </a:p>
           <a:p>
@@ -4059,20 +3841,20 @@
               <a:buChar char="o"/>
             </a:pPr>
             <a:r>
-              <a:rPr lang="en-US" sz="2200" strike="noStrike">
-                <a:solidFill>
-                  <a:srgbClr val="2e2b21"/>
-                </a:solidFill>
-                <a:latin typeface="Tw Cen MT"/>
+              <a:rPr lang="de-DE" sz="2200" strike="noStrike">
+                <a:solidFill>
+                  <a:srgbClr val="2e2b21"/>
+                </a:solidFill>
+                <a:latin typeface="Open Sans"/>
               </a:rPr>
               <a:t> </a:t>
             </a:r>
             <a:r>
-              <a:rPr lang="en-US" sz="2200" strike="noStrike">
-                <a:solidFill>
-                  <a:srgbClr val="2e2b21"/>
-                </a:solidFill>
-                <a:latin typeface="Tw Cen MT"/>
+              <a:rPr lang="de-DE" sz="2200" strike="noStrike">
+                <a:solidFill>
+                  <a:srgbClr val="2e2b21"/>
+                </a:solidFill>
+                <a:latin typeface="Open Sans"/>
               </a:rPr>
               <a:t>Ausarbeitung des Kampfsystems</a:t>
             </a:r>
@@ -4087,20 +3869,20 @@
               <a:buChar char="o"/>
             </a:pPr>
             <a:r>
-              <a:rPr lang="en-US" strike="noStrike">
-                <a:solidFill>
-                  <a:srgbClr val="2e2b21"/>
-                </a:solidFill>
-                <a:latin typeface="Tw Cen MT"/>
+              <a:rPr lang="de-DE" strike="noStrike">
+                <a:solidFill>
+                  <a:srgbClr val="2e2b21"/>
+                </a:solidFill>
+                <a:latin typeface="Open Sans"/>
               </a:rPr>
               <a:t> </a:t>
             </a:r>
             <a:r>
-              <a:rPr lang="en-US" strike="noStrike">
-                <a:solidFill>
-                  <a:srgbClr val="2e2b21"/>
-                </a:solidFill>
-                <a:latin typeface="Tw Cen MT"/>
+              <a:rPr lang="de-DE" strike="noStrike">
+                <a:solidFill>
+                  <a:srgbClr val="2e2b21"/>
+                </a:solidFill>
+                <a:latin typeface="Open Sans"/>
               </a:rPr>
               <a:t>Unterschiedliche Strategien führen zum Sieg</a:t>
             </a:r>
@@ -4110,14 +3892,14 @@
       </p:sp>
       <p:sp>
         <p:nvSpPr>
-          <p:cNvPr id="95" name="TextShape 3"/>
-          <p:cNvSpPr txBox="1"/>
+          <p:cNvPr id="89" name="CustomShape 3"/>
+          <p:cNvSpPr/>
           <p:nvPr/>
         </p:nvSpPr>
         <p:spPr>
           <a:xfrm>
             <a:off x="10837440" y="6470640"/>
-            <a:ext cx="973440" cy="273960"/>
+            <a:ext cx="973080" cy="273600"/>
           </a:xfrm>
           <a:prstGeom prst="rect">
             <a:avLst/>
@@ -4127,15 +3909,21 @@
             <a:noFill/>
           </a:ln>
         </p:spPr>
-        <p:txBody>
-          <a:bodyPr anchor="ctr"/>
+        <p:style>
+          <a:lnRef idx="0"/>
+          <a:fillRef idx="0"/>
+          <a:effectRef idx="0"/>
+          <a:fontRef idx="minor"/>
+        </p:style>
+        <p:txBody>
+          <a:bodyPr lIns="90000" rIns="90000" tIns="45000" bIns="45000" anchor="ctr"/>
           <a:p>
             <a:pPr>
               <a:lnSpc>
                 <a:spcPct val="100000"/>
               </a:lnSpc>
             </a:pPr>
-            <a:fld id="{2805CB85-10E5-4333-8EB2-CA1F33620213}" type="slidenum">
+            <a:fld id="{3F550002-0A6D-4813-B047-6DA5DDF5EB4E}" type="slidenum">
               <a:rPr lang="de-DE" sz="1000" strike="noStrike">
                 <a:solidFill>
                   <a:srgbClr val="474233"/>
@@ -4199,14 +3987,14 @@
       </p:grpSpPr>
       <p:sp>
         <p:nvSpPr>
-          <p:cNvPr id="96" name="TextShape 1"/>
-          <p:cNvSpPr txBox="1"/>
+          <p:cNvPr id="90" name="CustomShape 1"/>
+          <p:cNvSpPr/>
           <p:nvPr/>
         </p:nvSpPr>
         <p:spPr>
           <a:xfrm>
             <a:off x="1024200" y="585360"/>
-            <a:ext cx="9719640" cy="1499400"/>
+            <a:ext cx="9719280" cy="1499040"/>
           </a:xfrm>
           <a:prstGeom prst="rect">
             <a:avLst/>
@@ -4216,8 +4004,14 @@
             <a:noFill/>
           </a:ln>
         </p:spPr>
-        <p:txBody>
-          <a:bodyPr anchor="ctr"/>
+        <p:style>
+          <a:lnRef idx="0"/>
+          <a:fillRef idx="0"/>
+          <a:effectRef idx="0"/>
+          <a:fontRef idx="minor"/>
+        </p:style>
+        <p:txBody>
+          <a:bodyPr lIns="90000" rIns="90000" tIns="45000" bIns="45000" anchor="ctr"/>
           <a:p>
             <a:pPr>
               <a:lnSpc>
@@ -4225,11 +4019,11 @@
               </a:lnSpc>
             </a:pPr>
             <a:r>
-              <a:rPr lang="en-US" sz="5000" strike="noStrike">
+              <a:rPr lang="de-DE" sz="5000" strike="noStrike">
                 <a:solidFill>
                   <a:srgbClr val="474233"/>
                 </a:solidFill>
-                <a:latin typeface="Tw Cen MT Condensed"/>
+                <a:latin typeface="Open Sans"/>
               </a:rPr>
               <a:t>Prototyp: Labyrinth</a:t>
             </a:r>
@@ -4239,14 +4033,14 @@
       </p:sp>
       <p:sp>
         <p:nvSpPr>
-          <p:cNvPr id="97" name="TextShape 2"/>
-          <p:cNvSpPr txBox="1"/>
+          <p:cNvPr id="91" name="CustomShape 2"/>
+          <p:cNvSpPr/>
           <p:nvPr/>
         </p:nvSpPr>
         <p:spPr>
           <a:xfrm>
             <a:off x="1024200" y="2286000"/>
-            <a:ext cx="9719640" cy="4023000"/>
+            <a:ext cx="9719280" cy="4022640"/>
           </a:xfrm>
           <a:prstGeom prst="rect">
             <a:avLst/>
@@ -4256,8 +4050,14 @@
             <a:noFill/>
           </a:ln>
         </p:spPr>
-        <p:txBody>
-          <a:bodyPr lIns="45720" rIns="45720"/>
+        <p:style>
+          <a:lnRef idx="0"/>
+          <a:fillRef idx="0"/>
+          <a:effectRef idx="0"/>
+          <a:fontRef idx="minor"/>
+        </p:style>
+        <p:txBody>
+          <a:bodyPr lIns="45720" rIns="45720" tIns="45000" bIns="45000"/>
           <a:p>
             <a:pPr>
               <a:lnSpc>
@@ -4267,20 +4067,20 @@
               <a:buChar char="o"/>
             </a:pPr>
             <a:r>
-              <a:rPr lang="en-US" sz="2200" strike="noStrike">
-                <a:solidFill>
-                  <a:srgbClr val="2e2b21"/>
-                </a:solidFill>
-                <a:latin typeface="Tw Cen MT"/>
+              <a:rPr lang="de-DE" sz="2200" strike="noStrike">
+                <a:solidFill>
+                  <a:srgbClr val="2e2b21"/>
+                </a:solidFill>
+                <a:latin typeface="Open Sans"/>
               </a:rPr>
               <a:t> </a:t>
             </a:r>
             <a:r>
-              <a:rPr lang="en-US" sz="2200" strike="noStrike">
-                <a:solidFill>
-                  <a:srgbClr val="2e2b21"/>
-                </a:solidFill>
-                <a:latin typeface="Tw Cen MT"/>
+              <a:rPr lang="de-DE" sz="2200" strike="noStrike">
+                <a:solidFill>
+                  <a:srgbClr val="2e2b21"/>
+                </a:solidFill>
+                <a:latin typeface="Open Sans"/>
               </a:rPr>
               <a:t>Generiert zufällig Labyrinthe aus vorgefertigten Teilen</a:t>
             </a:r>
@@ -4295,38 +4095,38 @@
               <a:buChar char="o"/>
             </a:pPr>
             <a:r>
-              <a:rPr lang="en-US" sz="2200" strike="noStrike">
-                <a:solidFill>
-                  <a:srgbClr val="2e2b21"/>
-                </a:solidFill>
-                <a:latin typeface="Tw Cen MT"/>
+              <a:rPr lang="de-DE" sz="2200" strike="noStrike">
+                <a:solidFill>
+                  <a:srgbClr val="2e2b21"/>
+                </a:solidFill>
+                <a:latin typeface="Open Sans"/>
               </a:rPr>
               <a:t> </a:t>
             </a:r>
             <a:r>
-              <a:rPr lang="en-US" sz="2200" strike="noStrike">
-                <a:solidFill>
-                  <a:srgbClr val="2e2b21"/>
-                </a:solidFill>
-                <a:latin typeface="Tw Cen MT"/>
+              <a:rPr lang="de-DE" sz="2200" strike="noStrike">
+                <a:solidFill>
+                  <a:srgbClr val="2e2b21"/>
+                </a:solidFill>
+                <a:latin typeface="Open Sans"/>
               </a:rPr>
               <a:t>Erzeugt mit </a:t>
             </a:r>
             <a:r>
-              <a:rPr b="1" lang="en-US" sz="2200" strike="noStrike">
-                <a:solidFill>
-                  <a:srgbClr val="2e2b21"/>
-                </a:solidFill>
-                <a:latin typeface="Tw Cen MT"/>
+              <a:rPr b="1" lang="de-DE" sz="2200" strike="noStrike">
+                <a:solidFill>
+                  <a:srgbClr val="2e2b21"/>
+                </a:solidFill>
+                <a:latin typeface="Open Sans"/>
               </a:rPr>
               <a:t>Tiled</a:t>
             </a:r>
             <a:r>
-              <a:rPr lang="en-US" sz="2200" strike="noStrike">
-                <a:solidFill>
-                  <a:srgbClr val="2e2b21"/>
-                </a:solidFill>
-                <a:latin typeface="Tw Cen MT"/>
+              <a:rPr lang="de-DE" sz="2200" strike="noStrike">
+                <a:solidFill>
+                  <a:srgbClr val="2e2b21"/>
+                </a:solidFill>
+                <a:latin typeface="Open Sans"/>
               </a:rPr>
               <a:t>, Speicherung als TileMap (.tmx)</a:t>
             </a:r>
@@ -4341,20 +4141,20 @@
               <a:buChar char="o"/>
             </a:pPr>
             <a:r>
-              <a:rPr lang="en-US" sz="2200" strike="noStrike">
-                <a:solidFill>
-                  <a:srgbClr val="2e2b21"/>
-                </a:solidFill>
-                <a:latin typeface="Tw Cen MT"/>
+              <a:rPr lang="de-DE" sz="2200" strike="noStrike">
+                <a:solidFill>
+                  <a:srgbClr val="2e2b21"/>
+                </a:solidFill>
+                <a:latin typeface="Open Sans"/>
               </a:rPr>
               <a:t> </a:t>
             </a:r>
             <a:r>
-              <a:rPr lang="en-US" sz="2200" strike="noStrike">
-                <a:solidFill>
-                  <a:srgbClr val="2e2b21"/>
-                </a:solidFill>
-                <a:latin typeface="Tw Cen MT"/>
+              <a:rPr lang="de-DE" sz="2200" strike="noStrike">
+                <a:solidFill>
+                  <a:srgbClr val="2e2b21"/>
+                </a:solidFill>
+                <a:latin typeface="Open Sans"/>
               </a:rPr>
               <a:t>Platzierung von Startpunkten und Schatzkammer derzeit statisch</a:t>
             </a:r>
@@ -4369,20 +4169,20 @@
               <a:buChar char="o"/>
             </a:pPr>
             <a:r>
-              <a:rPr lang="en-US" sz="2200" strike="noStrike">
-                <a:solidFill>
-                  <a:srgbClr val="2e2b21"/>
-                </a:solidFill>
-                <a:latin typeface="Tw Cen MT"/>
+              <a:rPr lang="de-DE" sz="2200" strike="noStrike">
+                <a:solidFill>
+                  <a:srgbClr val="2e2b21"/>
+                </a:solidFill>
+                <a:latin typeface="Open Sans"/>
               </a:rPr>
               <a:t> </a:t>
             </a:r>
             <a:r>
-              <a:rPr lang="en-US" sz="2200" strike="noStrike">
-                <a:solidFill>
-                  <a:srgbClr val="2e2b21"/>
-                </a:solidFill>
-                <a:latin typeface="Tw Cen MT"/>
+              <a:rPr lang="de-DE" sz="2200" strike="noStrike">
+                <a:solidFill>
+                  <a:srgbClr val="2e2b21"/>
+                </a:solidFill>
+                <a:latin typeface="Open Sans"/>
               </a:rPr>
               <a:t>(noch) keine Begrenzung</a:t>
             </a:r>
@@ -4392,14 +4192,14 @@
       </p:sp>
       <p:sp>
         <p:nvSpPr>
-          <p:cNvPr id="98" name="TextShape 3"/>
-          <p:cNvSpPr txBox="1"/>
+          <p:cNvPr id="92" name="CustomShape 3"/>
+          <p:cNvSpPr/>
           <p:nvPr/>
         </p:nvSpPr>
         <p:spPr>
           <a:xfrm>
             <a:off x="10837440" y="6470640"/>
-            <a:ext cx="973440" cy="273960"/>
+            <a:ext cx="973080" cy="273600"/>
           </a:xfrm>
           <a:prstGeom prst="rect">
             <a:avLst/>
@@ -4409,15 +4209,21 @@
             <a:noFill/>
           </a:ln>
         </p:spPr>
-        <p:txBody>
-          <a:bodyPr anchor="ctr"/>
+        <p:style>
+          <a:lnRef idx="0"/>
+          <a:fillRef idx="0"/>
+          <a:effectRef idx="0"/>
+          <a:fontRef idx="minor"/>
+        </p:style>
+        <p:txBody>
+          <a:bodyPr lIns="90000" rIns="90000" tIns="45000" bIns="45000" anchor="ctr"/>
           <a:p>
             <a:pPr>
               <a:lnSpc>
                 <a:spcPct val="100000"/>
               </a:lnSpc>
             </a:pPr>
-            <a:fld id="{EBE97825-55D4-49FD-A5A3-793A9437150C}" type="slidenum">
+            <a:fld id="{6953F044-80EB-48DB-83A9-EE857661779A}" type="slidenum">
               <a:rPr lang="de-DE" sz="1000" strike="noStrike">
                 <a:solidFill>
                   <a:srgbClr val="474233"/>
@@ -4432,7 +4238,7 @@
       </p:sp>
       <p:pic>
         <p:nvPicPr>
-          <p:cNvPr id="99" name="Grafik 4" descr=""/>
+          <p:cNvPr id="93" name="Grafik 4" descr=""/>
           <p:cNvPicPr/>
           <p:nvPr/>
         </p:nvPicPr>
@@ -4443,7 +4249,7 @@
         <p:spPr>
           <a:xfrm>
             <a:off x="7191720" y="3921480"/>
-            <a:ext cx="3006360" cy="2387520"/>
+            <a:ext cx="3006000" cy="2387160"/>
           </a:xfrm>
           <a:prstGeom prst="rect">
             <a:avLst/>
@@ -4504,14 +4310,14 @@
       </p:grpSpPr>
       <p:sp>
         <p:nvSpPr>
-          <p:cNvPr id="100" name="TextShape 1"/>
-          <p:cNvSpPr txBox="1"/>
+          <p:cNvPr id="94" name="CustomShape 1"/>
+          <p:cNvSpPr/>
           <p:nvPr/>
         </p:nvSpPr>
         <p:spPr>
           <a:xfrm>
             <a:off x="1024200" y="585360"/>
-            <a:ext cx="9719640" cy="1499400"/>
+            <a:ext cx="9719280" cy="1499040"/>
           </a:xfrm>
           <a:prstGeom prst="rect">
             <a:avLst/>
@@ -4521,8 +4327,14 @@
             <a:noFill/>
           </a:ln>
         </p:spPr>
-        <p:txBody>
-          <a:bodyPr anchor="ctr"/>
+        <p:style>
+          <a:lnRef idx="0"/>
+          <a:fillRef idx="0"/>
+          <a:effectRef idx="0"/>
+          <a:fontRef idx="minor"/>
+        </p:style>
+        <p:txBody>
+          <a:bodyPr lIns="90000" rIns="90000" tIns="45000" bIns="45000" anchor="ctr"/>
           <a:p>
             <a:pPr>
               <a:lnSpc>
@@ -4530,11 +4342,11 @@
               </a:lnSpc>
             </a:pPr>
             <a:r>
-              <a:rPr lang="en-US" sz="5000" strike="noStrike">
+              <a:rPr lang="de-DE" sz="5000" strike="noStrike">
                 <a:solidFill>
                   <a:srgbClr val="474233"/>
                 </a:solidFill>
-                <a:latin typeface="Tw Cen MT Condensed"/>
+                <a:latin typeface="Open Sans"/>
               </a:rPr>
               <a:t>Prototyp: NETZWERK</a:t>
             </a:r>
@@ -4544,14 +4356,14 @@
       </p:sp>
       <p:sp>
         <p:nvSpPr>
-          <p:cNvPr id="101" name="TextShape 2"/>
-          <p:cNvSpPr txBox="1"/>
+          <p:cNvPr id="95" name="CustomShape 2"/>
+          <p:cNvSpPr/>
           <p:nvPr/>
         </p:nvSpPr>
         <p:spPr>
           <a:xfrm>
             <a:off x="1024200" y="2286000"/>
-            <a:ext cx="9719640" cy="4023000"/>
+            <a:ext cx="9719280" cy="4022640"/>
           </a:xfrm>
           <a:prstGeom prst="rect">
             <a:avLst/>
@@ -4561,8 +4373,14 @@
             <a:noFill/>
           </a:ln>
         </p:spPr>
-        <p:txBody>
-          <a:bodyPr lIns="45720" rIns="45720"/>
+        <p:style>
+          <a:lnRef idx="0"/>
+          <a:fillRef idx="0"/>
+          <a:effectRef idx="0"/>
+          <a:fontRef idx="minor"/>
+        </p:style>
+        <p:txBody>
+          <a:bodyPr lIns="45720" rIns="45720" tIns="45000" bIns="45000"/>
           <a:p>
             <a:pPr>
               <a:lnSpc>
@@ -4572,20 +4390,20 @@
               <a:buChar char="o"/>
             </a:pPr>
             <a:r>
-              <a:rPr lang="en-US" sz="2200" strike="noStrike">
-                <a:solidFill>
-                  <a:srgbClr val="2e2b21"/>
-                </a:solidFill>
-                <a:latin typeface="Tw Cen MT"/>
+              <a:rPr lang="de-DE" sz="2200" strike="noStrike">
+                <a:solidFill>
+                  <a:srgbClr val="2e2b21"/>
+                </a:solidFill>
+                <a:latin typeface="Open Sans"/>
               </a:rPr>
               <a:t> </a:t>
             </a:r>
             <a:r>
-              <a:rPr lang="en-US" sz="2200" strike="noStrike">
-                <a:solidFill>
-                  <a:srgbClr val="2e2b21"/>
-                </a:solidFill>
-                <a:latin typeface="Tw Cen MT"/>
+              <a:rPr lang="de-DE" sz="2200" strike="noStrike">
+                <a:solidFill>
+                  <a:srgbClr val="2e2b21"/>
+                </a:solidFill>
+                <a:latin typeface="Open Sans"/>
               </a:rPr>
               <a:t>Server-Client-Struktur, Server überträgt die Positionen der einzelnen Spieler</a:t>
             </a:r>
@@ -4600,20 +4418,20 @@
               <a:buChar char="o"/>
             </a:pPr>
             <a:r>
-              <a:rPr lang="en-US" sz="2200" strike="noStrike">
-                <a:solidFill>
-                  <a:srgbClr val="2e2b21"/>
-                </a:solidFill>
-                <a:latin typeface="Tw Cen MT"/>
+              <a:rPr lang="de-DE" sz="2200" strike="noStrike">
+                <a:solidFill>
+                  <a:srgbClr val="2e2b21"/>
+                </a:solidFill>
+                <a:latin typeface="Open Sans"/>
               </a:rPr>
               <a:t> </a:t>
             </a:r>
             <a:r>
-              <a:rPr lang="en-US" sz="2200" strike="noStrike">
-                <a:solidFill>
-                  <a:srgbClr val="2e2b21"/>
-                </a:solidFill>
-                <a:latin typeface="Tw Cen MT"/>
+              <a:rPr lang="de-DE" sz="2200" strike="noStrike">
+                <a:solidFill>
+                  <a:srgbClr val="2e2b21"/>
+                </a:solidFill>
+                <a:latin typeface="Open Sans"/>
               </a:rPr>
               <a:t>nutzt KryoNet</a:t>
             </a:r>
@@ -4628,20 +4446,20 @@
               <a:buChar char="o"/>
             </a:pPr>
             <a:r>
-              <a:rPr lang="en-US" sz="2200" strike="noStrike">
-                <a:solidFill>
-                  <a:srgbClr val="2e2b21"/>
-                </a:solidFill>
-                <a:latin typeface="Tw Cen MT"/>
+              <a:rPr lang="de-DE" sz="2200" strike="noStrike">
+                <a:solidFill>
+                  <a:srgbClr val="2e2b21"/>
+                </a:solidFill>
+                <a:latin typeface="Open Sans"/>
               </a:rPr>
               <a:t> </a:t>
             </a:r>
             <a:r>
-              <a:rPr lang="en-US" sz="2200" strike="noStrike">
-                <a:solidFill>
-                  <a:srgbClr val="2e2b21"/>
-                </a:solidFill>
-                <a:latin typeface="Tw Cen MT"/>
+              <a:rPr lang="de-DE" sz="2200" strike="noStrike">
+                <a:solidFill>
+                  <a:srgbClr val="2e2b21"/>
+                </a:solidFill>
+                <a:latin typeface="Open Sans"/>
               </a:rPr>
               <a:t>Erweiterungen:</a:t>
             </a:r>
@@ -4656,20 +4474,20 @@
               <a:buChar char="o"/>
             </a:pPr>
             <a:r>
-              <a:rPr lang="en-US" strike="noStrike">
-                <a:solidFill>
-                  <a:srgbClr val="2e2b21"/>
-                </a:solidFill>
-                <a:latin typeface="Tw Cen MT"/>
+              <a:rPr lang="de-DE" strike="noStrike">
+                <a:solidFill>
+                  <a:srgbClr val="2e2b21"/>
+                </a:solidFill>
+                <a:latin typeface="Open Sans"/>
               </a:rPr>
               <a:t> </a:t>
             </a:r>
             <a:r>
-              <a:rPr lang="en-US" strike="noStrike">
-                <a:solidFill>
-                  <a:srgbClr val="2e2b21"/>
-                </a:solidFill>
-                <a:latin typeface="Tw Cen MT"/>
+              <a:rPr lang="de-DE" strike="noStrike">
+                <a:solidFill>
+                  <a:srgbClr val="2e2b21"/>
+                </a:solidFill>
+                <a:latin typeface="Open Sans"/>
               </a:rPr>
               <a:t>UDP statt TCP</a:t>
             </a:r>
@@ -4684,20 +4502,20 @@
               <a:buChar char="o"/>
             </a:pPr>
             <a:r>
-              <a:rPr lang="en-US" strike="noStrike">
-                <a:solidFill>
-                  <a:srgbClr val="2e2b21"/>
-                </a:solidFill>
-                <a:latin typeface="Tw Cen MT"/>
+              <a:rPr lang="de-DE" strike="noStrike">
+                <a:solidFill>
+                  <a:srgbClr val="2e2b21"/>
+                </a:solidFill>
+                <a:latin typeface="Open Sans"/>
               </a:rPr>
               <a:t> </a:t>
             </a:r>
             <a:r>
-              <a:rPr lang="en-US" strike="noStrike">
-                <a:solidFill>
-                  <a:srgbClr val="2e2b21"/>
-                </a:solidFill>
-                <a:latin typeface="Tw Cen MT"/>
+              <a:rPr lang="de-DE" strike="noStrike">
+                <a:solidFill>
+                  <a:srgbClr val="2e2b21"/>
+                </a:solidFill>
+                <a:latin typeface="Open Sans"/>
               </a:rPr>
               <a:t>Animationen der Spieler übertragen</a:t>
             </a:r>
@@ -4712,20 +4530,20 @@
               <a:buChar char="o"/>
             </a:pPr>
             <a:r>
-              <a:rPr lang="en-US" strike="noStrike">
-                <a:solidFill>
-                  <a:srgbClr val="2e2b21"/>
-                </a:solidFill>
-                <a:latin typeface="Tw Cen MT"/>
+              <a:rPr lang="de-DE" strike="noStrike">
+                <a:solidFill>
+                  <a:srgbClr val="2e2b21"/>
+                </a:solidFill>
+                <a:latin typeface="Open Sans"/>
               </a:rPr>
               <a:t> </a:t>
             </a:r>
             <a:r>
-              <a:rPr lang="en-US" strike="noStrike">
-                <a:solidFill>
-                  <a:srgbClr val="2e2b21"/>
-                </a:solidFill>
-                <a:latin typeface="Tw Cen MT"/>
+              <a:rPr lang="de-DE" strike="noStrike">
+                <a:solidFill>
+                  <a:srgbClr val="2e2b21"/>
+                </a:solidFill>
+                <a:latin typeface="Open Sans"/>
               </a:rPr>
               <a:t>automatischer Server-Finder</a:t>
             </a:r>
@@ -4740,20 +4558,20 @@
               <a:buChar char="o"/>
             </a:pPr>
             <a:r>
-              <a:rPr lang="en-US" strike="noStrike">
-                <a:solidFill>
-                  <a:srgbClr val="2e2b21"/>
-                </a:solidFill>
-                <a:latin typeface="Tw Cen MT"/>
+              <a:rPr lang="de-DE" strike="noStrike">
+                <a:solidFill>
+                  <a:srgbClr val="2e2b21"/>
+                </a:solidFill>
+                <a:latin typeface="Open Sans"/>
               </a:rPr>
               <a:t> </a:t>
             </a:r>
             <a:r>
-              <a:rPr lang="en-US" strike="noStrike">
-                <a:solidFill>
-                  <a:srgbClr val="2e2b21"/>
-                </a:solidFill>
-                <a:latin typeface="Tw Cen MT"/>
+              <a:rPr lang="de-DE" strike="noStrike">
+                <a:solidFill>
+                  <a:srgbClr val="2e2b21"/>
+                </a:solidFill>
+                <a:latin typeface="Open Sans"/>
               </a:rPr>
               <a:t>Disconnect-Handling</a:t>
             </a:r>
@@ -4768,20 +4586,20 @@
               <a:buChar char="o"/>
             </a:pPr>
             <a:r>
-              <a:rPr lang="en-US" strike="noStrike">
-                <a:solidFill>
-                  <a:srgbClr val="2e2b21"/>
-                </a:solidFill>
-                <a:latin typeface="Tw Cen MT"/>
+              <a:rPr lang="de-DE" strike="noStrike">
+                <a:solidFill>
+                  <a:srgbClr val="2e2b21"/>
+                </a:solidFill>
+                <a:latin typeface="Open Sans"/>
               </a:rPr>
               <a:t> </a:t>
             </a:r>
             <a:r>
-              <a:rPr lang="en-US" strike="noStrike">
-                <a:solidFill>
-                  <a:srgbClr val="2e2b21"/>
-                </a:solidFill>
-                <a:latin typeface="Tw Cen MT"/>
+              <a:rPr lang="de-DE" strike="noStrike">
+                <a:solidFill>
+                  <a:srgbClr val="2e2b21"/>
+                </a:solidFill>
+                <a:latin typeface="Open Sans"/>
               </a:rPr>
               <a:t>Player Collision (-&gt; Kampfsystem)</a:t>
             </a:r>
@@ -4791,14 +4609,14 @@
       </p:sp>
       <p:sp>
         <p:nvSpPr>
-          <p:cNvPr id="102" name="TextShape 3"/>
-          <p:cNvSpPr txBox="1"/>
+          <p:cNvPr id="96" name="CustomShape 3"/>
+          <p:cNvSpPr/>
           <p:nvPr/>
         </p:nvSpPr>
         <p:spPr>
           <a:xfrm>
             <a:off x="10837440" y="6470640"/>
-            <a:ext cx="973440" cy="273960"/>
+            <a:ext cx="973080" cy="273600"/>
           </a:xfrm>
           <a:prstGeom prst="rect">
             <a:avLst/>
@@ -4808,15 +4626,21 @@
             <a:noFill/>
           </a:ln>
         </p:spPr>
-        <p:txBody>
-          <a:bodyPr anchor="ctr"/>
+        <p:style>
+          <a:lnRef idx="0"/>
+          <a:fillRef idx="0"/>
+          <a:effectRef idx="0"/>
+          <a:fontRef idx="minor"/>
+        </p:style>
+        <p:txBody>
+          <a:bodyPr lIns="90000" rIns="90000" tIns="45000" bIns="45000" anchor="ctr"/>
           <a:p>
             <a:pPr>
               <a:lnSpc>
                 <a:spcPct val="100000"/>
               </a:lnSpc>
             </a:pPr>
-            <a:fld id="{AC0FCA3D-35AE-4A31-A3EA-7E397B9B8656}" type="slidenum">
+            <a:fld id="{EB48F37A-52BB-40ED-B360-590CB580A149}" type="slidenum">
               <a:rPr lang="de-DE" sz="1000" strike="noStrike">
                 <a:solidFill>
                   <a:srgbClr val="474233"/>
@@ -4831,7 +4655,7 @@
       </p:sp>
       <p:pic>
         <p:nvPicPr>
-          <p:cNvPr id="103" name="Grafik 4" descr=""/>
+          <p:cNvPr id="97" name="Grafik 4" descr=""/>
           <p:cNvPicPr/>
           <p:nvPr/>
         </p:nvPicPr>
@@ -4841,8 +4665,8 @@
         </p:blipFill>
         <p:spPr>
           <a:xfrm>
-            <a:off x="5513400" y="2953800"/>
-            <a:ext cx="4226040" cy="2687760"/>
+            <a:off x="6214320" y="3288600"/>
+            <a:ext cx="4225680" cy="2687400"/>
           </a:xfrm>
           <a:prstGeom prst="rect">
             <a:avLst/>
@@ -4903,14 +4727,14 @@
       </p:grpSpPr>
       <p:sp>
         <p:nvSpPr>
-          <p:cNvPr id="104" name="TextShape 1"/>
-          <p:cNvSpPr txBox="1"/>
+          <p:cNvPr id="98" name="CustomShape 1"/>
+          <p:cNvSpPr/>
           <p:nvPr/>
         </p:nvSpPr>
         <p:spPr>
           <a:xfrm>
             <a:off x="1024200" y="585360"/>
-            <a:ext cx="9719640" cy="1499400"/>
+            <a:ext cx="9719280" cy="1499040"/>
           </a:xfrm>
           <a:prstGeom prst="rect">
             <a:avLst/>
@@ -4920,8 +4744,14 @@
             <a:noFill/>
           </a:ln>
         </p:spPr>
-        <p:txBody>
-          <a:bodyPr anchor="ctr"/>
+        <p:style>
+          <a:lnRef idx="0"/>
+          <a:fillRef idx="0"/>
+          <a:effectRef idx="0"/>
+          <a:fontRef idx="minor"/>
+        </p:style>
+        <p:txBody>
+          <a:bodyPr lIns="90000" rIns="90000" tIns="45000" bIns="45000" anchor="ctr"/>
           <a:p>
             <a:pPr>
               <a:lnSpc>
@@ -4929,11 +4759,11 @@
               </a:lnSpc>
             </a:pPr>
             <a:r>
-              <a:rPr lang="en-US" sz="5000" strike="noStrike">
+              <a:rPr lang="de-DE" sz="5000" strike="noStrike">
                 <a:solidFill>
                   <a:srgbClr val="474233"/>
                 </a:solidFill>
-                <a:latin typeface="Tw Cen MT Condensed"/>
+                <a:latin typeface="Open Sans"/>
               </a:rPr>
               <a:t>Prototyp: Kampfsystem</a:t>
             </a:r>
@@ -4943,14 +4773,14 @@
       </p:sp>
       <p:sp>
         <p:nvSpPr>
-          <p:cNvPr id="105" name="TextShape 2"/>
-          <p:cNvSpPr txBox="1"/>
+          <p:cNvPr id="99" name="CustomShape 2"/>
+          <p:cNvSpPr/>
           <p:nvPr/>
         </p:nvSpPr>
         <p:spPr>
           <a:xfrm>
             <a:off x="1024200" y="2286000"/>
-            <a:ext cx="9719640" cy="4023000"/>
+            <a:ext cx="9719280" cy="4022640"/>
           </a:xfrm>
           <a:prstGeom prst="rect">
             <a:avLst/>
@@ -4960,8 +4790,14 @@
             <a:noFill/>
           </a:ln>
         </p:spPr>
-        <p:txBody>
-          <a:bodyPr lIns="45720" rIns="45720"/>
+        <p:style>
+          <a:lnRef idx="0"/>
+          <a:fillRef idx="0"/>
+          <a:effectRef idx="0"/>
+          <a:fontRef idx="minor"/>
+        </p:style>
+        <p:txBody>
+          <a:bodyPr lIns="45720" rIns="45720" tIns="45000" bIns="45000"/>
           <a:p>
             <a:pPr>
               <a:lnSpc>
@@ -4971,20 +4807,20 @@
               <a:buChar char="o"/>
             </a:pPr>
             <a:r>
-              <a:rPr lang="en-US" sz="2200" strike="noStrike">
-                <a:solidFill>
-                  <a:srgbClr val="2e2b21"/>
-                </a:solidFill>
-                <a:latin typeface="Tw Cen MT"/>
+              <a:rPr lang="de-DE" sz="2200" strike="noStrike">
+                <a:solidFill>
+                  <a:srgbClr val="2e2b21"/>
+                </a:solidFill>
+                <a:latin typeface="Open Sans"/>
               </a:rPr>
               <a:t> </a:t>
             </a:r>
             <a:r>
-              <a:rPr lang="en-US" sz="2200" strike="noStrike">
-                <a:solidFill>
-                  <a:srgbClr val="2e2b21"/>
-                </a:solidFill>
-                <a:latin typeface="Tw Cen MT"/>
+              <a:rPr lang="de-DE" sz="2200" strike="noStrike">
+                <a:solidFill>
+                  <a:srgbClr val="2e2b21"/>
+                </a:solidFill>
+                <a:latin typeface="Open Sans"/>
               </a:rPr>
               <a:t>Kollisionsabfrage durch Schadensbereiche</a:t>
             </a:r>
@@ -4999,20 +4835,20 @@
               <a:buChar char="o"/>
             </a:pPr>
             <a:r>
-              <a:rPr lang="en-US" sz="2200" strike="noStrike">
-                <a:solidFill>
-                  <a:srgbClr val="2e2b21"/>
-                </a:solidFill>
-                <a:latin typeface="Tw Cen MT"/>
+              <a:rPr lang="de-DE" sz="2200" strike="noStrike">
+                <a:solidFill>
+                  <a:srgbClr val="2e2b21"/>
+                </a:solidFill>
+                <a:latin typeface="Open Sans"/>
               </a:rPr>
               <a:t> </a:t>
             </a:r>
             <a:r>
-              <a:rPr lang="en-US" sz="2200" strike="noStrike">
-                <a:solidFill>
-                  <a:srgbClr val="2e2b21"/>
-                </a:solidFill>
-                <a:latin typeface="Tw Cen MT"/>
+              <a:rPr lang="de-DE" sz="2200" strike="noStrike">
+                <a:solidFill>
+                  <a:srgbClr val="2e2b21"/>
+                </a:solidFill>
+                <a:latin typeface="Open Sans"/>
               </a:rPr>
               <a:t>Geschosse werden mittels Pooling recycelt</a:t>
             </a:r>
@@ -5027,20 +4863,20 @@
               <a:buChar char="o"/>
             </a:pPr>
             <a:r>
-              <a:rPr lang="en-US" sz="2200" strike="noStrike">
-                <a:solidFill>
-                  <a:srgbClr val="2e2b21"/>
-                </a:solidFill>
-                <a:latin typeface="Tw Cen MT"/>
+              <a:rPr lang="de-DE" sz="2200" strike="noStrike">
+                <a:solidFill>
+                  <a:srgbClr val="2e2b21"/>
+                </a:solidFill>
+                <a:latin typeface="Open Sans"/>
               </a:rPr>
               <a:t> </a:t>
             </a:r>
             <a:r>
-              <a:rPr lang="en-US" sz="2200" strike="noStrike">
-                <a:solidFill>
-                  <a:srgbClr val="2e2b21"/>
-                </a:solidFill>
-                <a:latin typeface="Tw Cen MT"/>
+              <a:rPr lang="de-DE" sz="2200" strike="noStrike">
+                <a:solidFill>
+                  <a:srgbClr val="2e2b21"/>
+                </a:solidFill>
+                <a:latin typeface="Open Sans"/>
               </a:rPr>
               <a:t>Bisherige Implementierung</a:t>
             </a:r>
@@ -5055,20 +4891,20 @@
               <a:buChar char="o"/>
             </a:pPr>
             <a:r>
-              <a:rPr lang="en-US" strike="noStrike">
-                <a:solidFill>
-                  <a:srgbClr val="2e2b21"/>
-                </a:solidFill>
-                <a:latin typeface="Tw Cen MT"/>
+              <a:rPr lang="de-DE" strike="noStrike">
+                <a:solidFill>
+                  <a:srgbClr val="2e2b21"/>
+                </a:solidFill>
+                <a:latin typeface="Open Sans"/>
               </a:rPr>
               <a:t> </a:t>
             </a:r>
             <a:r>
-              <a:rPr lang="en-US" strike="noStrike">
-                <a:solidFill>
-                  <a:srgbClr val="2e2b21"/>
-                </a:solidFill>
-                <a:latin typeface="Tw Cen MT"/>
+              <a:rPr lang="de-DE" strike="noStrike">
+                <a:solidFill>
+                  <a:srgbClr val="2e2b21"/>
+                </a:solidFill>
+                <a:latin typeface="Open Sans"/>
               </a:rPr>
               <a:t>Status der Spieler</a:t>
             </a:r>
@@ -5083,20 +4919,20 @@
               <a:buChar char="o"/>
             </a:pPr>
             <a:r>
-              <a:rPr lang="en-US" strike="noStrike">
-                <a:solidFill>
-                  <a:srgbClr val="2e2b21"/>
-                </a:solidFill>
-                <a:latin typeface="Tw Cen MT"/>
+              <a:rPr lang="de-DE" strike="noStrike">
+                <a:solidFill>
+                  <a:srgbClr val="2e2b21"/>
+                </a:solidFill>
+                <a:latin typeface="Open Sans"/>
               </a:rPr>
               <a:t> </a:t>
             </a:r>
             <a:r>
-              <a:rPr lang="en-US" strike="noStrike">
-                <a:solidFill>
-                  <a:srgbClr val="2e2b21"/>
-                </a:solidFill>
-                <a:latin typeface="Tw Cen MT"/>
+              <a:rPr lang="de-DE" strike="noStrike">
+                <a:solidFill>
+                  <a:srgbClr val="2e2b21"/>
+                </a:solidFill>
+                <a:latin typeface="Open Sans"/>
               </a:rPr>
               <a:t>Nahkampfwaffe</a:t>
             </a:r>
@@ -5111,20 +4947,20 @@
               <a:buChar char="o"/>
             </a:pPr>
             <a:r>
-              <a:rPr lang="en-US" strike="noStrike">
-                <a:solidFill>
-                  <a:srgbClr val="2e2b21"/>
-                </a:solidFill>
-                <a:latin typeface="Tw Cen MT"/>
+              <a:rPr lang="de-DE" strike="noStrike">
+                <a:solidFill>
+                  <a:srgbClr val="2e2b21"/>
+                </a:solidFill>
+                <a:latin typeface="Open Sans"/>
               </a:rPr>
               <a:t> </a:t>
             </a:r>
             <a:r>
-              <a:rPr lang="en-US" strike="noStrike">
-                <a:solidFill>
-                  <a:srgbClr val="2e2b21"/>
-                </a:solidFill>
-                <a:latin typeface="Tw Cen MT"/>
+              <a:rPr lang="de-DE" strike="noStrike">
+                <a:solidFill>
+                  <a:srgbClr val="2e2b21"/>
+                </a:solidFill>
+                <a:latin typeface="Open Sans"/>
               </a:rPr>
               <a:t>Fernkampfwaffe</a:t>
             </a:r>
@@ -5134,14 +4970,14 @@
       </p:sp>
       <p:sp>
         <p:nvSpPr>
-          <p:cNvPr id="106" name="TextShape 3"/>
-          <p:cNvSpPr txBox="1"/>
+          <p:cNvPr id="100" name="CustomShape 3"/>
+          <p:cNvSpPr/>
           <p:nvPr/>
         </p:nvSpPr>
         <p:spPr>
           <a:xfrm>
             <a:off x="10837440" y="6470640"/>
-            <a:ext cx="973440" cy="273960"/>
+            <a:ext cx="973080" cy="273600"/>
           </a:xfrm>
           <a:prstGeom prst="rect">
             <a:avLst/>
@@ -5151,15 +4987,21 @@
             <a:noFill/>
           </a:ln>
         </p:spPr>
-        <p:txBody>
-          <a:bodyPr anchor="ctr"/>
+        <p:style>
+          <a:lnRef idx="0"/>
+          <a:fillRef idx="0"/>
+          <a:effectRef idx="0"/>
+          <a:fontRef idx="minor"/>
+        </p:style>
+        <p:txBody>
+          <a:bodyPr lIns="90000" rIns="90000" tIns="45000" bIns="45000" anchor="ctr"/>
           <a:p>
             <a:pPr>
               <a:lnSpc>
                 <a:spcPct val="100000"/>
               </a:lnSpc>
             </a:pPr>
-            <a:fld id="{56276BC1-EEA5-49E5-9148-C8DF6CE5D4C5}" type="slidenum">
+            <a:fld id="{A136C0DA-DD47-46E6-9B83-A82A852BBC51}" type="slidenum">
               <a:rPr lang="de-DE" sz="1000" strike="noStrike">
                 <a:solidFill>
                   <a:srgbClr val="474233"/>
@@ -5174,7 +5016,7 @@
       </p:sp>
       <p:pic>
         <p:nvPicPr>
-          <p:cNvPr id="107" name="" descr=""/>
+          <p:cNvPr id="101" name="" descr=""/>
           <p:cNvPicPr/>
           <p:nvPr/>
         </p:nvPicPr>
@@ -5185,7 +5027,7 @@
         <p:spPr>
           <a:xfrm>
             <a:off x="5690520" y="3528000"/>
-            <a:ext cx="4893480" cy="2952000"/>
+            <a:ext cx="4893120" cy="2951640"/>
           </a:xfrm>
           <a:prstGeom prst="rect">
             <a:avLst/>
@@ -5246,14 +5088,14 @@
       </p:grpSpPr>
       <p:sp>
         <p:nvSpPr>
-          <p:cNvPr id="108" name="TextShape 1"/>
-          <p:cNvSpPr txBox="1"/>
+          <p:cNvPr id="102" name="CustomShape 1"/>
+          <p:cNvSpPr/>
           <p:nvPr/>
         </p:nvSpPr>
         <p:spPr>
           <a:xfrm>
             <a:off x="1024200" y="585360"/>
-            <a:ext cx="9719640" cy="1499400"/>
+            <a:ext cx="9719280" cy="1499040"/>
           </a:xfrm>
           <a:prstGeom prst="rect">
             <a:avLst/>
@@ -5263,8 +5105,14 @@
             <a:noFill/>
           </a:ln>
         </p:spPr>
-        <p:txBody>
-          <a:bodyPr anchor="ctr"/>
+        <p:style>
+          <a:lnRef idx="0"/>
+          <a:fillRef idx="0"/>
+          <a:effectRef idx="0"/>
+          <a:fontRef idx="minor"/>
+        </p:style>
+        <p:txBody>
+          <a:bodyPr lIns="90000" rIns="90000" tIns="45000" bIns="45000" anchor="ctr"/>
           <a:p>
             <a:pPr>
               <a:lnSpc>
@@ -5272,28 +5120,28 @@
               </a:lnSpc>
             </a:pPr>
             <a:r>
-              <a:rPr lang="en-US" sz="5000" strike="noStrike">
+              <a:rPr lang="de-DE" sz="5000" strike="noStrike">
                 <a:solidFill>
                   <a:srgbClr val="474233"/>
                 </a:solidFill>
-                <a:latin typeface="Tw Cen MT Condensed"/>
-              </a:rPr>
-              <a:t>Danke für eure Aufmerksamkeit!</a:t>
-            </a:r>
-            <a:endParaRPr/>
-          </a:p>
-        </p:txBody>
-      </p:sp>
-      <p:sp>
-        <p:nvSpPr>
-          <p:cNvPr id="109" name="TextShape 2"/>
-          <p:cNvSpPr txBox="1"/>
+                <a:latin typeface="Open Sans"/>
+              </a:rPr>
+              <a:t>Prototyp:  Game Master</a:t>
+            </a:r>
+            <a:endParaRPr/>
+          </a:p>
+        </p:txBody>
+      </p:sp>
+      <p:sp>
+        <p:nvSpPr>
+          <p:cNvPr id="103" name="CustomShape 2"/>
+          <p:cNvSpPr/>
           <p:nvPr/>
         </p:nvSpPr>
         <p:spPr>
           <a:xfrm>
             <a:off x="1024200" y="2286000"/>
-            <a:ext cx="9719640" cy="4023000"/>
+            <a:ext cx="9719280" cy="4022640"/>
           </a:xfrm>
           <a:prstGeom prst="rect">
             <a:avLst/>
@@ -5303,23 +5151,124 @@
             <a:noFill/>
           </a:ln>
         </p:spPr>
-        <p:txBody>
-          <a:bodyPr lIns="45720" rIns="45720"/>
-          <a:p>
-            <a:endParaRPr/>
-          </a:p>
-        </p:txBody>
-      </p:sp>
-      <p:sp>
-        <p:nvSpPr>
-          <p:cNvPr id="110" name="TextShape 3"/>
-          <p:cNvSpPr txBox="1"/>
+        <p:style>
+          <a:lnRef idx="0"/>
+          <a:fillRef idx="0"/>
+          <a:effectRef idx="0"/>
+          <a:fontRef idx="minor"/>
+        </p:style>
+        <p:txBody>
+          <a:bodyPr lIns="45720" rIns="45720" tIns="45000" bIns="45000"/>
+          <a:p>
+            <a:pPr>
+              <a:lnSpc>
+                <a:spcPct val="100000"/>
+              </a:lnSpc>
+              <a:buFont typeface="Courier New"/>
+              <a:buChar char="o"/>
+            </a:pPr>
+            <a:r>
+              <a:rPr lang="de-DE" sz="2200" strike="noStrike">
+                <a:solidFill>
+                  <a:srgbClr val="2e2b21"/>
+                </a:solidFill>
+                <a:latin typeface="Open Sans"/>
+              </a:rPr>
+              <a:t> </a:t>
+            </a:r>
+            <a:r>
+              <a:rPr lang="de-DE" sz="2200" strike="noStrike">
+                <a:solidFill>
+                  <a:srgbClr val="2e2b21"/>
+                </a:solidFill>
+                <a:latin typeface="Open Sans"/>
+              </a:rPr>
+              <a:t>Fähigkeiten vom Game Master</a:t>
+            </a:r>
+            <a:endParaRPr/>
+          </a:p>
+          <a:p>
+            <a:pPr lvl="1">
+              <a:lnSpc>
+                <a:spcPct val="100000"/>
+              </a:lnSpc>
+              <a:buSzPct val="45000"/>
+              <a:buFont typeface="StarSymbol"/>
+              <a:buChar char=""/>
+            </a:pPr>
+            <a:r>
+              <a:rPr lang="de-DE" sz="2200" strike="noStrike">
+                <a:solidFill>
+                  <a:srgbClr val="2e2b21"/>
+                </a:solidFill>
+                <a:latin typeface="Open Sans"/>
+              </a:rPr>
+              <a:t>Wände bewegen</a:t>
+            </a:r>
+            <a:endParaRPr/>
+          </a:p>
+          <a:p>
+            <a:pPr lvl="1">
+              <a:lnSpc>
+                <a:spcPct val="100000"/>
+              </a:lnSpc>
+              <a:buSzPct val="45000"/>
+              <a:buFont typeface="StarSymbol"/>
+              <a:buChar char=""/>
+            </a:pPr>
+            <a:r>
+              <a:rPr lang="de-DE" sz="2200" strike="noStrike">
+                <a:solidFill>
+                  <a:srgbClr val="2e2b21"/>
+                </a:solidFill>
+                <a:latin typeface="Open Sans"/>
+              </a:rPr>
+              <a:t>Durch Wände gehen</a:t>
+            </a:r>
+            <a:endParaRPr/>
+          </a:p>
+          <a:p>
+            <a:pPr lvl="1">
+              <a:lnSpc>
+                <a:spcPct val="100000"/>
+              </a:lnSpc>
+              <a:buSzPct val="45000"/>
+              <a:buFont typeface="StarSymbol"/>
+              <a:buChar char=""/>
+            </a:pPr>
+            <a:r>
+              <a:rPr lang="de-DE" sz="2200" strike="noStrike">
+                <a:solidFill>
+                  <a:srgbClr val="2e2b21"/>
+                </a:solidFill>
+                <a:latin typeface="Open Sans"/>
+              </a:rPr>
+              <a:t>Monster erzeugen </a:t>
+            </a:r>
+            <a:endParaRPr/>
+          </a:p>
+          <a:p>
+            <a:pPr>
+              <a:lnSpc>
+                <a:spcPct val="100000"/>
+              </a:lnSpc>
+              <a:buFont typeface="Courier New"/>
+              <a:buChar char="o"/>
+            </a:pPr>
+            <a:endParaRPr/>
+          </a:p>
+        </p:txBody>
+      </p:sp>
+      <p:sp>
+        <p:nvSpPr>
+          <p:cNvPr id="104" name="CustomShape 3"/>
+          <p:cNvSpPr/>
           <p:nvPr/>
         </p:nvSpPr>
         <p:spPr>
           <a:xfrm>
             <a:off x="10837440" y="6470640"/>
-            <a:ext cx="973440" cy="273960"/>
+            <a:ext cx="973080" cy="273600"/>
           </a:xfrm>
           <a:prstGeom prst="rect">
             <a:avLst/>
@@ -5329,15 +5278,21 @@
             <a:noFill/>
           </a:ln>
         </p:spPr>
-        <p:txBody>
-          <a:bodyPr anchor="ctr"/>
+        <p:style>
+          <a:lnRef idx="0"/>
+          <a:fillRef idx="0"/>
+          <a:effectRef idx="0"/>
+          <a:fontRef idx="minor"/>
+        </p:style>
+        <p:txBody>
+          <a:bodyPr lIns="90000" rIns="90000" tIns="45000" bIns="45000" anchor="ctr"/>
           <a:p>
             <a:pPr>
               <a:lnSpc>
                 <a:spcPct val="100000"/>
               </a:lnSpc>
             </a:pPr>
-            <a:fld id="{074037D4-A46A-4B0D-AB21-1C9F0EDD5CE7}" type="slidenum">
+            <a:fld id="{F99788E4-EFF1-4A27-9257-CA98E0226E57}" type="slidenum">
               <a:rPr lang="de-DE" sz="1000" strike="noStrike">
                 <a:solidFill>
                   <a:srgbClr val="474233"/>
@@ -5350,6 +5305,29 @@
           </a:p>
         </p:txBody>
       </p:sp>
+      <p:pic>
+        <p:nvPicPr>
+          <p:cNvPr id="105" name="" descr=""/>
+          <p:cNvPicPr/>
+          <p:nvPr/>
+        </p:nvPicPr>
+        <p:blipFill>
+          <a:blip r:embed="rId1"/>
+          <a:stretch/>
+        </p:blipFill>
+        <p:spPr>
+          <a:xfrm>
+            <a:off x="5603400" y="2448000"/>
+            <a:ext cx="6420600" cy="4104000"/>
+          </a:xfrm>
+          <a:prstGeom prst="rect">
+            <a:avLst/>
+          </a:prstGeom>
+          <a:ln>
+            <a:noFill/>
+          </a:ln>
+        </p:spPr>
+      </p:pic>
     </p:spTree>
   </p:cSld>
   <p:timing>
@@ -5359,6 +5337,173 @@
           <p:childTnLst>
             <p:seq>
               <p:cTn id="14" nodeType="mainSeq"/>
+              <p:prevCondLst>
+                <p:cond delay="0" evt="onPrev">
+                  <p:tgtEl>
+                    <p:sldTgt/>
+                  </p:tgtEl>
+                </p:cond>
+              </p:prevCondLst>
+              <p:nextCondLst>
+                <p:cond delay="0" evt="onNext">
+                  <p:tgtEl>
+                    <p:sldTgt/>
+                  </p:tgtEl>
+                </p:cond>
+              </p:nextCondLst>
+            </p:seq>
+          </p:childTnLst>
+        </p:cTn>
+      </p:par>
+    </p:tnLst>
+  </p:timing>
+</p:sld>
+</file>
+
+<file path=ppt/slides/slide8.xml><?xml version="1.0" encoding="utf-8"?>
+<p:sld xmlns:a="http://schemas.openxmlformats.org/drawingml/2006/main" xmlns:p="http://schemas.openxmlformats.org/presentationml/2006/main" xmlns:r="http://schemas.openxmlformats.org/officeDocument/2006/relationships">
+  <p:cSld>
+    <p:spTree>
+      <p:nvGrpSpPr>
+        <p:cNvPr id="1" name=""/>
+        <p:cNvGrpSpPr/>
+        <p:nvPr/>
+      </p:nvGrpSpPr>
+      <p:grpSpPr>
+        <a:xfrm>
+          <a:off x="0" y="0"/>
+          <a:ext cx="0" cy="0"/>
+          <a:chOff x="0" y="0"/>
+          <a:chExt cx="0" cy="0"/>
+        </a:xfrm>
+      </p:grpSpPr>
+      <p:sp>
+        <p:nvSpPr>
+          <p:cNvPr id="106" name="CustomShape 1"/>
+          <p:cNvSpPr/>
+          <p:nvPr/>
+        </p:nvSpPr>
+        <p:spPr>
+          <a:xfrm>
+            <a:off x="1024200" y="585360"/>
+            <a:ext cx="9719280" cy="1499040"/>
+          </a:xfrm>
+          <a:prstGeom prst="rect">
+            <a:avLst/>
+          </a:prstGeom>
+          <a:noFill/>
+          <a:ln>
+            <a:noFill/>
+          </a:ln>
+        </p:spPr>
+        <p:style>
+          <a:lnRef idx="0"/>
+          <a:fillRef idx="0"/>
+          <a:effectRef idx="0"/>
+          <a:fontRef idx="minor"/>
+        </p:style>
+        <p:txBody>
+          <a:bodyPr lIns="90000" rIns="90000" tIns="45000" bIns="45000" anchor="ctr"/>
+          <a:p>
+            <a:pPr>
+              <a:lnSpc>
+                <a:spcPct val="80000"/>
+              </a:lnSpc>
+            </a:pPr>
+            <a:r>
+              <a:rPr lang="de-DE" sz="5000" strike="noStrike">
+                <a:solidFill>
+                  <a:srgbClr val="474233"/>
+                </a:solidFill>
+                <a:latin typeface="Open Sans"/>
+              </a:rPr>
+              <a:t>Danke für eure Aufmerksamkeit!</a:t>
+            </a:r>
+            <a:endParaRPr/>
+          </a:p>
+        </p:txBody>
+      </p:sp>
+      <p:sp>
+        <p:nvSpPr>
+          <p:cNvPr id="107" name="CustomShape 2"/>
+          <p:cNvSpPr/>
+          <p:nvPr/>
+        </p:nvSpPr>
+        <p:spPr>
+          <a:xfrm>
+            <a:off x="1024200" y="2286000"/>
+            <a:ext cx="9719280" cy="4022640"/>
+          </a:xfrm>
+          <a:prstGeom prst="rect">
+            <a:avLst/>
+          </a:prstGeom>
+          <a:noFill/>
+          <a:ln>
+            <a:noFill/>
+          </a:ln>
+        </p:spPr>
+        <p:style>
+          <a:lnRef idx="0"/>
+          <a:fillRef idx="0"/>
+          <a:effectRef idx="0"/>
+          <a:fontRef idx="minor"/>
+        </p:style>
+      </p:sp>
+      <p:sp>
+        <p:nvSpPr>
+          <p:cNvPr id="108" name="CustomShape 3"/>
+          <p:cNvSpPr/>
+          <p:nvPr/>
+        </p:nvSpPr>
+        <p:spPr>
+          <a:xfrm>
+            <a:off x="10837440" y="6470640"/>
+            <a:ext cx="973080" cy="273600"/>
+          </a:xfrm>
+          <a:prstGeom prst="rect">
+            <a:avLst/>
+          </a:prstGeom>
+          <a:noFill/>
+          <a:ln>
+            <a:noFill/>
+          </a:ln>
+        </p:spPr>
+        <p:style>
+          <a:lnRef idx="0"/>
+          <a:fillRef idx="0"/>
+          <a:effectRef idx="0"/>
+          <a:fontRef idx="minor"/>
+        </p:style>
+        <p:txBody>
+          <a:bodyPr lIns="90000" rIns="90000" tIns="45000" bIns="45000" anchor="ctr"/>
+          <a:p>
+            <a:pPr>
+              <a:lnSpc>
+                <a:spcPct val="100000"/>
+              </a:lnSpc>
+            </a:pPr>
+            <a:fld id="{E9E33F80-4FDB-460A-B2CD-8DCDD435B712}" type="slidenum">
+              <a:rPr lang="de-DE" sz="1000" strike="noStrike">
+                <a:solidFill>
+                  <a:srgbClr val="474233"/>
+                </a:solidFill>
+                <a:latin typeface="Tw Cen MT Condensed"/>
+              </a:rPr>
+              <a:t>&lt;Foliennummer&gt;</a:t>
+            </a:fld>
+            <a:endParaRPr/>
+          </a:p>
+        </p:txBody>
+      </p:sp>
+    </p:spTree>
+  </p:cSld>
+  <p:timing>
+    <p:tnLst>
+      <p:par>
+        <p:cTn id="15" dur="indefinite" restart="never" nodeType="tmRoot">
+          <p:childTnLst>
+            <p:seq>
+              <p:cTn id="16" nodeType="mainSeq"/>
               <p:prevCondLst>
                 <p:cond delay="0" evt="onPrev">
                   <p:tgtEl>
